--- a/trunk/ abbotguitar/GUIRipper/Reference/答辩_侯晓坤.pptx
+++ b/trunk/ abbotguitar/GUIRipper/Reference/答辩_侯晓坤.pptx
@@ -5,20 +5,22 @@
     <p:sldMasterId id="2147483660" r:id="rId1"/>
   </p:sldMasterIdLst>
   <p:notesMasterIdLst>
-    <p:notesMasterId r:id="rId13"/>
+    <p:notesMasterId r:id="rId15"/>
   </p:notesMasterIdLst>
   <p:sldIdLst>
     <p:sldId id="258" r:id="rId2"/>
     <p:sldId id="259" r:id="rId3"/>
     <p:sldId id="260" r:id="rId4"/>
-    <p:sldId id="261" r:id="rId5"/>
-    <p:sldId id="262" r:id="rId6"/>
-    <p:sldId id="263" r:id="rId7"/>
-    <p:sldId id="264" r:id="rId8"/>
-    <p:sldId id="265" r:id="rId9"/>
-    <p:sldId id="266" r:id="rId10"/>
-    <p:sldId id="267" r:id="rId11"/>
-    <p:sldId id="268" r:id="rId12"/>
+    <p:sldId id="269" r:id="rId5"/>
+    <p:sldId id="270" r:id="rId6"/>
+    <p:sldId id="261" r:id="rId7"/>
+    <p:sldId id="262" r:id="rId8"/>
+    <p:sldId id="263" r:id="rId9"/>
+    <p:sldId id="264" r:id="rId10"/>
+    <p:sldId id="265" r:id="rId11"/>
+    <p:sldId id="266" r:id="rId12"/>
+    <p:sldId id="267" r:id="rId13"/>
+    <p:sldId id="268" r:id="rId14"/>
   </p:sldIdLst>
   <p:sldSz cx="9144000" cy="6858000" type="screen4x3"/>
   <p:notesSz cx="6858000" cy="9144000"/>
@@ -202,7 +204,7 @@
           <a:p>
             <a:fld id="{339FB9EF-34DD-4503-8301-A2668215B02E}" type="datetimeFigureOut">
               <a:rPr lang="zh-CN" altLang="en-US" smtClean="0"/>
-              <a:t>2012/5/23</a:t>
+              <a:t>2012/5/25</a:t>
             </a:fld>
             <a:endParaRPr lang="zh-CN" altLang="en-US"/>
           </a:p>
@@ -573,7 +575,7 @@
           <a:p>
             <a:fld id="{A2A87F62-BA81-4DB6-9CFC-24AEE81E9468}" type="slidenum">
               <a:rPr lang="zh-CN" altLang="en-US" smtClean="0"/>
-              <a:t>7</a:t>
+              <a:t>9</a:t>
             </a:fld>
             <a:endParaRPr lang="zh-CN" altLang="en-US"/>
           </a:p>
@@ -657,7 +659,7 @@
           <a:p>
             <a:fld id="{A2A87F62-BA81-4DB6-9CFC-24AEE81E9468}" type="slidenum">
               <a:rPr lang="zh-CN" altLang="en-US" smtClean="0"/>
-              <a:t>9</a:t>
+              <a:t>11</a:t>
             </a:fld>
             <a:endParaRPr lang="zh-CN" altLang="en-US"/>
           </a:p>
@@ -873,7 +875,7 @@
               <a:pPr>
                 <a:defRPr/>
               </a:pPr>
-              <a:t>2012/5/23</a:t>
+              <a:t>2012/5/25</a:t>
             </a:fld>
             <a:endParaRPr lang="zh-CN" altLang="en-US">
               <a:solidFill>
@@ -1100,7 +1102,7 @@
               <a:pPr>
                 <a:defRPr/>
               </a:pPr>
-              <a:t>2012/5/23</a:t>
+              <a:t>2012/5/25</a:t>
             </a:fld>
             <a:endParaRPr lang="zh-CN" altLang="en-US">
               <a:solidFill>
@@ -1337,7 +1339,7 @@
               <a:pPr>
                 <a:defRPr/>
               </a:pPr>
-              <a:t>2012/5/23</a:t>
+              <a:t>2012/5/25</a:t>
             </a:fld>
             <a:endParaRPr lang="zh-CN" altLang="en-US">
               <a:solidFill>
@@ -1564,7 +1566,7 @@
               <a:pPr>
                 <a:defRPr/>
               </a:pPr>
-              <a:t>2012/5/23</a:t>
+              <a:t>2012/5/25</a:t>
             </a:fld>
             <a:endParaRPr lang="zh-CN" altLang="en-US">
               <a:solidFill>
@@ -1867,7 +1869,7 @@
               <a:pPr>
                 <a:defRPr/>
               </a:pPr>
-              <a:t>2012/5/23</a:t>
+              <a:t>2012/5/25</a:t>
             </a:fld>
             <a:endParaRPr lang="zh-CN" altLang="en-US">
               <a:solidFill>
@@ -2212,7 +2214,7 @@
               <a:pPr>
                 <a:defRPr/>
               </a:pPr>
-              <a:t>2012/5/23</a:t>
+              <a:t>2012/5/25</a:t>
             </a:fld>
             <a:endParaRPr lang="zh-CN" altLang="en-US">
               <a:solidFill>
@@ -2691,7 +2693,7 @@
               <a:pPr>
                 <a:defRPr/>
               </a:pPr>
-              <a:t>2012/5/23</a:t>
+              <a:t>2012/5/25</a:t>
             </a:fld>
             <a:endParaRPr lang="zh-CN" altLang="en-US">
               <a:solidFill>
@@ -2866,7 +2868,7 @@
               <a:pPr>
                 <a:defRPr/>
               </a:pPr>
-              <a:t>2012/5/23</a:t>
+              <a:t>2012/5/25</a:t>
             </a:fld>
             <a:endParaRPr lang="zh-CN" altLang="en-US">
               <a:solidFill>
@@ -3018,7 +3020,7 @@
               <a:pPr>
                 <a:defRPr/>
               </a:pPr>
-              <a:t>2012/5/23</a:t>
+              <a:t>2012/5/25</a:t>
             </a:fld>
             <a:endParaRPr lang="zh-CN" altLang="en-US">
               <a:solidFill>
@@ -3352,7 +3354,7 @@
               <a:pPr>
                 <a:defRPr/>
               </a:pPr>
-              <a:t>2012/5/23</a:t>
+              <a:t>2012/5/25</a:t>
             </a:fld>
             <a:endParaRPr lang="zh-CN" altLang="en-US">
               <a:solidFill>
@@ -3669,7 +3671,7 @@
               <a:pPr>
                 <a:defRPr/>
               </a:pPr>
-              <a:t>2012/5/23</a:t>
+              <a:t>2012/5/25</a:t>
             </a:fld>
             <a:endParaRPr lang="zh-CN" altLang="en-US">
               <a:solidFill>
@@ -3999,7 +4001,7 @@
               <a:pPr>
                 <a:defRPr/>
               </a:pPr>
-              <a:t>2012/5/23</a:t>
+              <a:t>2012/5/25</a:t>
             </a:fld>
             <a:endParaRPr lang="zh-CN" altLang="en-US">
               <a:solidFill>
@@ -4641,7 +4643,7 @@
               <a:defRPr/>
             </a:pPr>
             <a:r>
-              <a:rPr lang="zh-CN" altLang="en-US" dirty="0" smtClean="0">
+              <a:rPr lang="zh-CN" altLang="en-US" dirty="0">
                 <a:solidFill>
                   <a:schemeClr val="tx1"/>
                 </a:solidFill>
@@ -4649,22 +4651,9 @@
                 <a:ea typeface="+mj-ea"/>
                 <a:cs typeface="Times New Roman" pitchFamily="18" charset="0"/>
               </a:rPr>
-              <a:t>南京大学软件学院</a:t>
-            </a:r>
-            <a:endParaRPr lang="en-US" altLang="zh-CN" dirty="0" smtClean="0">
-              <a:solidFill>
-                <a:schemeClr val="tx1"/>
-              </a:solidFill>
-              <a:latin typeface="Times New Roman" pitchFamily="18" charset="0"/>
-              <a:ea typeface="+mj-ea"/>
-              <a:cs typeface="Times New Roman" pitchFamily="18" charset="0"/>
-            </a:endParaRPr>
-          </a:p>
-          <a:p>
-            <a:pPr algn="r" eaLnBrk="1" hangingPunct="1">
-              <a:defRPr/>
-            </a:pPr>
-            <a:endParaRPr lang="en-US" altLang="zh-CN" sz="2000" dirty="0" smtClean="0">
+              <a:t>导师：陈振宇</a:t>
+            </a:r>
+            <a:endParaRPr lang="en-US" altLang="zh-CN" dirty="0">
               <a:solidFill>
                 <a:schemeClr val="tx1"/>
               </a:solidFill>
@@ -4728,53 +4717,760 @@
           <a:lstStyle/>
           <a:p>
             <a:r>
+              <a:rPr lang="en-US" altLang="zh-CN" dirty="0" smtClean="0"/>
+              <a:t>GUI</a:t>
+            </a:r>
+            <a:r>
               <a:rPr lang="zh-CN" altLang="en-US" dirty="0" smtClean="0"/>
-              <a:t>数据结构</a:t>
+              <a:t>抓取</a:t>
             </a:r>
             <a:endParaRPr lang="zh-CN" altLang="en-US" dirty="0"/>
           </a:p>
         </p:txBody>
       </p:sp>
-      <p:sp>
-        <p:nvSpPr>
-          <p:cNvPr id="3" name="内容占位符 2"/>
-          <p:cNvSpPr>
-            <a:spLocks noGrp="1"/>
-          </p:cNvSpPr>
+      <p:graphicFrame>
+        <p:nvGraphicFramePr>
+          <p:cNvPr id="4" name="内容占位符 3"/>
+          <p:cNvGraphicFramePr>
+            <a:graphicFrameLocks noGrp="1"/>
+          </p:cNvGraphicFramePr>
           <p:nvPr>
             <p:ph idx="1"/>
-          </p:nvPr>
-        </p:nvSpPr>
-        <p:spPr/>
-        <p:txBody>
-          <a:bodyPr/>
-          <a:lstStyle/>
-          <a:p>
-            <a:r>
-              <a:rPr lang="en-US" altLang="zh-CN" dirty="0" err="1" smtClean="0"/>
-              <a:t>GUIStructure</a:t>
-            </a:r>
-            <a:endParaRPr lang="en-US" altLang="zh-CN" dirty="0" smtClean="0"/>
-          </a:p>
-          <a:p>
-            <a:r>
-              <a:rPr lang="en-US" altLang="zh-CN" dirty="0"/>
-              <a:t>EFG</a:t>
-            </a:r>
-            <a:endParaRPr lang="zh-CN" altLang="en-US" dirty="0"/>
-          </a:p>
-        </p:txBody>
-      </p:sp>
+            <p:extLst>
+              <p:ext uri="{D42A27DB-BD31-4B8C-83A1-F6EECF244321}">
+                <p14:modId xmlns:p14="http://schemas.microsoft.com/office/powerpoint/2010/main" val="3454921424"/>
+              </p:ext>
+            </p:extLst>
+          </p:nvPr>
+        </p:nvGraphicFramePr>
+        <p:xfrm>
+          <a:off x="2195736" y="1484784"/>
+          <a:ext cx="6192688" cy="4876800"/>
+        </p:xfrm>
+        <a:graphic>
+          <a:graphicData uri="http://schemas.openxmlformats.org/drawingml/2006/table">
+            <a:tbl>
+              <a:tblPr firstRow="1" firstCol="1" bandRow="1">
+                <a:tableStyleId>{5C22544A-7EE6-4342-B048-85BDC9FD1C3A}</a:tableStyleId>
+              </a:tblPr>
+              <a:tblGrid>
+                <a:gridCol w="6192688"/>
+              </a:tblGrid>
+              <a:tr h="4752528">
+                <a:tc>
+                  <a:txBody>
+                    <a:bodyPr/>
+                    <a:lstStyle/>
+                    <a:p>
+                      <a:pPr algn="just">
+                        <a:spcAft>
+                          <a:spcPts val="0"/>
+                        </a:spcAft>
+                      </a:pPr>
+                      <a:r>
+                        <a:rPr lang="en-US" sz="1600" kern="100" dirty="0">
+                          <a:solidFill>
+                            <a:schemeClr val="tx1"/>
+                          </a:solidFill>
+                          <a:effectLst/>
+                        </a:rPr>
+                        <a:t>GUI/*GUI tree of application under test*/                                              </a:t>
+                      </a:r>
+                      <a:endParaRPr lang="zh-CN" sz="1600" kern="100" dirty="0">
+                        <a:solidFill>
+                          <a:schemeClr val="tx1"/>
+                        </a:solidFill>
+                        <a:effectLst/>
+                      </a:endParaRPr>
+                    </a:p>
+                    <a:p>
+                      <a:pPr marL="266700" indent="-266700" algn="just">
+                        <a:spcAft>
+                          <a:spcPts val="0"/>
+                        </a:spcAft>
+                      </a:pPr>
+                      <a:r>
+                        <a:rPr lang="en-US" sz="1600" kern="100" dirty="0">
+                          <a:solidFill>
+                            <a:schemeClr val="tx1"/>
+                          </a:solidFill>
+                          <a:effectLst/>
+                        </a:rPr>
+                        <a:t>PROCEDURE DFS-GUI(Application A)                               </a:t>
+                      </a:r>
+                      <a:r>
+                        <a:rPr lang="en-US" sz="1600" kern="100" dirty="0" smtClean="0">
+                          <a:solidFill>
+                            <a:schemeClr val="tx1"/>
+                          </a:solidFill>
+                          <a:effectLst/>
+                        </a:rPr>
+                        <a:t>                                1     </a:t>
+                      </a:r>
+                    </a:p>
+                    <a:p>
+                      <a:pPr marL="266700" indent="-266700" algn="just">
+                        <a:spcAft>
+                          <a:spcPts val="0"/>
+                        </a:spcAft>
+                      </a:pPr>
+                      <a:r>
+                        <a:rPr lang="en-US" sz="1600" kern="100" dirty="0" smtClean="0">
+                          <a:solidFill>
+                            <a:schemeClr val="tx1"/>
+                          </a:solidFill>
+                          <a:effectLst/>
+                        </a:rPr>
+                        <a:t>T=access-top-level-windows(A</a:t>
+                      </a:r>
+                      <a:r>
+                        <a:rPr lang="en-US" sz="1600" kern="100" dirty="0">
+                          <a:solidFill>
+                            <a:schemeClr val="tx1"/>
+                          </a:solidFill>
+                          <a:effectLst/>
+                        </a:rPr>
+                        <a:t>)                                             </a:t>
+                      </a:r>
+                      <a:r>
+                        <a:rPr lang="en-US" sz="1600" kern="100" dirty="0" smtClean="0">
+                          <a:solidFill>
+                            <a:schemeClr val="tx1"/>
+                          </a:solidFill>
+                          <a:effectLst/>
+                        </a:rPr>
+                        <a:t>                           2  </a:t>
+                      </a:r>
+                    </a:p>
+                    <a:p>
+                      <a:pPr marL="266700" indent="-266700" algn="just">
+                        <a:spcAft>
+                          <a:spcPts val="0"/>
+                        </a:spcAft>
+                      </a:pPr>
+                      <a:r>
+                        <a:rPr lang="en-US" sz="1600" kern="100" dirty="0" smtClean="0">
+                          <a:solidFill>
+                            <a:schemeClr val="tx1"/>
+                          </a:solidFill>
+                          <a:effectLst/>
+                        </a:rPr>
+                        <a:t>GUI=T                                                                                                                      3   </a:t>
+                      </a:r>
+                    </a:p>
+                    <a:p>
+                      <a:pPr marL="266700" indent="-266700" algn="just">
+                        <a:spcAft>
+                          <a:spcPts val="0"/>
+                        </a:spcAft>
+                      </a:pPr>
+                      <a:r>
+                        <a:rPr lang="en-US" sz="1600" kern="100" dirty="0" smtClean="0">
+                          <a:solidFill>
+                            <a:schemeClr val="tx1"/>
+                          </a:solidFill>
+                          <a:effectLst/>
+                        </a:rPr>
+                        <a:t>/*</a:t>
+                      </a:r>
+                      <a:r>
+                        <a:rPr lang="en-US" sz="1600" kern="100" dirty="0">
+                          <a:solidFill>
+                            <a:schemeClr val="tx1"/>
+                          </a:solidFill>
+                          <a:effectLst/>
+                        </a:rPr>
+                        <a:t>T is set of top-level windows in the application*/</a:t>
+                      </a:r>
+                      <a:endParaRPr lang="zh-CN" sz="1600" kern="100" dirty="0">
+                        <a:solidFill>
+                          <a:schemeClr val="tx1"/>
+                        </a:solidFill>
+                        <a:effectLst/>
+                      </a:endParaRPr>
+                    </a:p>
+                    <a:p>
+                      <a:pPr algn="just">
+                        <a:spcAft>
+                          <a:spcPts val="0"/>
+                        </a:spcAft>
+                      </a:pPr>
+                      <a:r>
+                        <a:rPr lang="en-US" sz="1600" kern="100" dirty="0">
+                          <a:solidFill>
+                            <a:schemeClr val="tx1"/>
+                          </a:solidFill>
+                          <a:effectLst/>
+                        </a:rPr>
+                        <a:t>    FORALL  t</a:t>
+                      </a:r>
+                      <a:r>
+                        <a:rPr lang="zh-CN" sz="1600" kern="100" dirty="0">
+                          <a:solidFill>
+                            <a:schemeClr val="tx1"/>
+                          </a:solidFill>
+                          <a:effectLst/>
+                        </a:rPr>
+                        <a:t>∈ </a:t>
+                      </a:r>
+                      <a:r>
+                        <a:rPr lang="en-US" sz="1600" kern="100" dirty="0">
+                          <a:solidFill>
+                            <a:schemeClr val="tx1"/>
+                          </a:solidFill>
+                          <a:effectLst/>
+                        </a:rPr>
+                        <a:t>T DO                                                    </a:t>
+                      </a:r>
+                      <a:r>
+                        <a:rPr lang="en-US" sz="1600" kern="100" dirty="0" smtClean="0">
+                          <a:solidFill>
+                            <a:schemeClr val="tx1"/>
+                          </a:solidFill>
+                          <a:effectLst/>
+                        </a:rPr>
+                        <a:t>                                         </a:t>
+                      </a:r>
+                      <a:r>
+                        <a:rPr lang="en-US" sz="1600" kern="100" dirty="0">
+                          <a:solidFill>
+                            <a:schemeClr val="tx1"/>
+                          </a:solidFill>
+                          <a:effectLst/>
+                        </a:rPr>
+                        <a:t>4</a:t>
+                      </a:r>
+                      <a:endParaRPr lang="zh-CN" sz="1600" kern="100" dirty="0">
+                        <a:solidFill>
+                          <a:schemeClr val="tx1"/>
+                        </a:solidFill>
+                        <a:effectLst/>
+                      </a:endParaRPr>
+                    </a:p>
+                    <a:p>
+                      <a:pPr indent="533400" algn="just">
+                        <a:spcAft>
+                          <a:spcPts val="0"/>
+                        </a:spcAft>
+                      </a:pPr>
+                      <a:r>
+                        <a:rPr lang="en-US" sz="1600" kern="100" dirty="0">
+                          <a:solidFill>
+                            <a:schemeClr val="tx1"/>
+                          </a:solidFill>
+                          <a:effectLst/>
+                        </a:rPr>
+                        <a:t>DFS-GUI-Recursive(t)                                            </a:t>
+                      </a:r>
+                      <a:r>
+                        <a:rPr lang="en-US" sz="1600" kern="100" dirty="0" smtClean="0">
+                          <a:solidFill>
+                            <a:schemeClr val="tx1"/>
+                          </a:solidFill>
+                          <a:effectLst/>
+                        </a:rPr>
+                        <a:t>                                   </a:t>
+                      </a:r>
+                      <a:r>
+                        <a:rPr lang="en-US" sz="1600" kern="100" dirty="0">
+                          <a:solidFill>
+                            <a:schemeClr val="tx1"/>
+                          </a:solidFill>
+                          <a:effectLst/>
+                        </a:rPr>
+                        <a:t>5</a:t>
+                      </a:r>
+                      <a:endParaRPr lang="zh-CN" sz="1600" kern="100" dirty="0">
+                        <a:solidFill>
+                          <a:schemeClr val="tx1"/>
+                        </a:solidFill>
+                        <a:effectLst/>
+                      </a:endParaRPr>
+                    </a:p>
+                    <a:p>
+                      <a:pPr indent="266700" algn="just">
+                        <a:spcAft>
+                          <a:spcPts val="0"/>
+                        </a:spcAft>
+                      </a:pPr>
+                      <a:r>
+                        <a:rPr lang="en-US" sz="1600" kern="100" dirty="0">
+                          <a:solidFill>
+                            <a:schemeClr val="tx1"/>
+                          </a:solidFill>
+                          <a:effectLst/>
+                        </a:rPr>
+                        <a:t> </a:t>
+                      </a:r>
+                      <a:endParaRPr lang="zh-CN" sz="1600" kern="100" dirty="0">
+                        <a:solidFill>
+                          <a:schemeClr val="tx1"/>
+                        </a:solidFill>
+                        <a:effectLst/>
+                      </a:endParaRPr>
+                    </a:p>
+                    <a:p>
+                      <a:pPr marL="266700" indent="-266700" algn="just">
+                        <a:spcAft>
+                          <a:spcPts val="0"/>
+                        </a:spcAft>
+                      </a:pPr>
+                      <a:r>
+                        <a:rPr lang="en-US" sz="1600" kern="100" dirty="0">
+                          <a:solidFill>
+                            <a:schemeClr val="tx1"/>
+                          </a:solidFill>
+                          <a:effectLst/>
+                        </a:rPr>
+                        <a:t>PROCEDURE </a:t>
+                      </a:r>
+                      <a:r>
+                        <a:rPr lang="en-US" sz="1600" kern="100" dirty="0" smtClean="0">
+                          <a:solidFill>
+                            <a:schemeClr val="tx1"/>
+                          </a:solidFill>
+                          <a:effectLst/>
+                        </a:rPr>
+                        <a:t>DFS-GUI-Recursive(Window g)                                 6     W=get-widget-list-and-properties(g</a:t>
+                      </a:r>
+                      <a:r>
+                        <a:rPr lang="en-US" sz="1600" kern="100" dirty="0">
+                          <a:solidFill>
+                            <a:schemeClr val="tx1"/>
+                          </a:solidFill>
+                          <a:effectLst/>
+                        </a:rPr>
+                        <a:t>)                                      </a:t>
+                      </a:r>
+                      <a:r>
+                        <a:rPr lang="en-US" sz="1600" kern="100" dirty="0" smtClean="0">
+                          <a:solidFill>
+                            <a:schemeClr val="tx1"/>
+                          </a:solidFill>
+                          <a:effectLst/>
+                        </a:rPr>
+                        <a:t>                   7    </a:t>
+                      </a:r>
+                      <a:endParaRPr lang="zh-CN" sz="1600" kern="100" dirty="0">
+                        <a:solidFill>
+                          <a:schemeClr val="tx1"/>
+                        </a:solidFill>
+                        <a:effectLst/>
+                      </a:endParaRPr>
+                    </a:p>
+                    <a:p>
+                      <a:pPr algn="just">
+                        <a:spcAft>
+                          <a:spcPts val="0"/>
+                        </a:spcAft>
+                      </a:pPr>
+                      <a:r>
+                        <a:rPr lang="en-US" sz="1600" kern="100" dirty="0">
+                          <a:solidFill>
+                            <a:schemeClr val="tx1"/>
+                          </a:solidFill>
+                          <a:effectLst/>
+                        </a:rPr>
+                        <a:t>    /*W is the set of all widgets in the window*/                                              </a:t>
+                      </a:r>
+                      <a:endParaRPr lang="zh-CN" sz="1600" kern="100" dirty="0">
+                        <a:solidFill>
+                          <a:schemeClr val="tx1"/>
+                        </a:solidFill>
+                        <a:effectLst/>
+                      </a:endParaRPr>
+                    </a:p>
+                    <a:p>
+                      <a:pPr algn="just">
+                        <a:spcAft>
+                          <a:spcPts val="0"/>
+                        </a:spcAft>
+                      </a:pPr>
+                      <a:r>
+                        <a:rPr lang="en-US" sz="1600" kern="100" dirty="0">
+                          <a:solidFill>
+                            <a:schemeClr val="tx1"/>
+                          </a:solidFill>
+                          <a:effectLst/>
+                        </a:rPr>
+                        <a:t>    E=identify-executable-widgets(W)                                          </a:t>
+                      </a:r>
+                      <a:r>
+                        <a:rPr lang="en-US" sz="1600" kern="100" dirty="0" smtClean="0">
+                          <a:solidFill>
+                            <a:schemeClr val="tx1"/>
+                          </a:solidFill>
+                          <a:effectLst/>
+                        </a:rPr>
+                        <a:t>                     </a:t>
+                      </a:r>
+                      <a:r>
+                        <a:rPr lang="en-US" sz="1600" kern="100" dirty="0">
+                          <a:solidFill>
+                            <a:schemeClr val="tx1"/>
+                          </a:solidFill>
+                          <a:effectLst/>
+                        </a:rPr>
+                        <a:t>8  </a:t>
+                      </a:r>
+                      <a:endParaRPr lang="zh-CN" sz="1600" kern="100" dirty="0">
+                        <a:solidFill>
+                          <a:schemeClr val="tx1"/>
+                        </a:solidFill>
+                        <a:effectLst/>
+                      </a:endParaRPr>
+                    </a:p>
+                    <a:p>
+                      <a:pPr algn="just">
+                        <a:spcAft>
+                          <a:spcPts val="0"/>
+                        </a:spcAft>
+                      </a:pPr>
+                      <a:r>
+                        <a:rPr lang="en-US" sz="1600" kern="100" dirty="0">
+                          <a:solidFill>
+                            <a:schemeClr val="tx1"/>
+                          </a:solidFill>
+                          <a:effectLst/>
+                        </a:rPr>
+                        <a:t>    /*From W identify executable widgets*/                                              </a:t>
+                      </a:r>
+                      <a:endParaRPr lang="zh-CN" sz="1600" kern="100" dirty="0">
+                        <a:solidFill>
+                          <a:schemeClr val="tx1"/>
+                        </a:solidFill>
+                        <a:effectLst/>
+                      </a:endParaRPr>
+                    </a:p>
+                    <a:p>
+                      <a:pPr algn="just">
+                        <a:spcAft>
+                          <a:spcPts val="0"/>
+                        </a:spcAft>
+                      </a:pPr>
+                      <a:r>
+                        <a:rPr lang="en-US" sz="1600" kern="100" dirty="0">
+                          <a:solidFill>
+                            <a:schemeClr val="tx1"/>
+                          </a:solidFill>
+                          <a:effectLst/>
+                        </a:rPr>
+                        <a:t>    FORALL  e </a:t>
+                      </a:r>
+                      <a:r>
+                        <a:rPr lang="zh-CN" sz="1600" kern="100" dirty="0">
+                          <a:solidFill>
+                            <a:schemeClr val="tx1"/>
+                          </a:solidFill>
+                          <a:effectLst/>
+                        </a:rPr>
+                        <a:t>∈ </a:t>
+                      </a:r>
+                      <a:r>
+                        <a:rPr lang="en-US" sz="1600" kern="100" dirty="0">
+                          <a:solidFill>
+                            <a:schemeClr val="tx1"/>
+                          </a:solidFill>
+                          <a:effectLst/>
+                        </a:rPr>
+                        <a:t>E  DO                                                    </a:t>
+                      </a:r>
+                      <a:r>
+                        <a:rPr lang="en-US" sz="1600" kern="100" dirty="0" smtClean="0">
+                          <a:solidFill>
+                            <a:schemeClr val="tx1"/>
+                          </a:solidFill>
+                          <a:effectLst/>
+                        </a:rPr>
+                        <a:t>                                      9</a:t>
+                      </a:r>
+                      <a:endParaRPr lang="zh-CN" sz="1600" kern="100" dirty="0">
+                        <a:solidFill>
+                          <a:schemeClr val="tx1"/>
+                        </a:solidFill>
+                        <a:effectLst/>
+                      </a:endParaRPr>
+                    </a:p>
+                    <a:p>
+                      <a:pPr indent="533400" algn="just">
+                        <a:spcAft>
+                          <a:spcPts val="0"/>
+                        </a:spcAft>
+                      </a:pPr>
+                      <a:r>
+                        <a:rPr lang="en-US" sz="1600" kern="100" dirty="0">
+                          <a:solidFill>
+                            <a:schemeClr val="tx1"/>
+                          </a:solidFill>
+                          <a:effectLst/>
+                        </a:rPr>
+                        <a:t>Execute-widget(e)                                                    </a:t>
+                      </a:r>
+                      <a:r>
+                        <a:rPr lang="en-US" sz="1600" kern="100" dirty="0" smtClean="0">
+                          <a:solidFill>
+                            <a:schemeClr val="tx1"/>
+                          </a:solidFill>
+                          <a:effectLst/>
+                        </a:rPr>
+                        <a:t>                              10</a:t>
+                      </a:r>
+                      <a:endParaRPr lang="zh-CN" sz="1600" kern="100" dirty="0">
+                        <a:solidFill>
+                          <a:schemeClr val="tx1"/>
+                        </a:solidFill>
+                        <a:effectLst/>
+                      </a:endParaRPr>
+                    </a:p>
+                    <a:p>
+                      <a:pPr indent="533400" algn="just">
+                        <a:spcAft>
+                          <a:spcPts val="0"/>
+                        </a:spcAft>
+                      </a:pPr>
+                      <a:r>
+                        <a:rPr lang="en-US" sz="1600" kern="100" dirty="0">
+                          <a:solidFill>
+                            <a:schemeClr val="tx1"/>
+                          </a:solidFill>
+                          <a:effectLst/>
+                        </a:rPr>
+                        <a:t>/*Execute the widget e*/                                               </a:t>
+                      </a:r>
+                      <a:endParaRPr lang="zh-CN" sz="1600" kern="100" dirty="0">
+                        <a:solidFill>
+                          <a:schemeClr val="tx1"/>
+                        </a:solidFill>
+                        <a:effectLst/>
+                      </a:endParaRPr>
+                    </a:p>
+                    <a:p>
+                      <a:pPr indent="533400" algn="just">
+                        <a:spcAft>
+                          <a:spcPts val="0"/>
+                        </a:spcAft>
+                      </a:pPr>
+                      <a:r>
+                        <a:rPr lang="en-US" sz="1600" kern="100" dirty="0">
+                          <a:solidFill>
+                            <a:schemeClr val="tx1"/>
+                          </a:solidFill>
+                          <a:effectLst/>
+                        </a:rPr>
+                        <a:t>C=get-invoked-</a:t>
+                      </a:r>
+                      <a:r>
+                        <a:rPr lang="en-US" sz="1600" kern="100" dirty="0" err="1">
+                          <a:solidFill>
+                            <a:schemeClr val="tx1"/>
+                          </a:solidFill>
+                          <a:effectLst/>
+                        </a:rPr>
+                        <a:t>gui</a:t>
+                      </a:r>
+                      <a:r>
+                        <a:rPr lang="en-US" sz="1600" kern="100" dirty="0">
+                          <a:solidFill>
+                            <a:schemeClr val="tx1"/>
+                          </a:solidFill>
+                          <a:effectLst/>
+                        </a:rPr>
+                        <a:t>-windows(e)                                       </a:t>
+                      </a:r>
+                      <a:r>
+                        <a:rPr lang="en-US" sz="1600" kern="100" dirty="0" smtClean="0">
+                          <a:solidFill>
+                            <a:schemeClr val="tx1"/>
+                          </a:solidFill>
+                          <a:effectLst/>
+                        </a:rPr>
+                        <a:t>                    11  </a:t>
+                      </a:r>
+                      <a:endParaRPr lang="zh-CN" sz="1600" kern="100" dirty="0">
+                        <a:solidFill>
+                          <a:schemeClr val="tx1"/>
+                        </a:solidFill>
+                        <a:effectLst/>
+                      </a:endParaRPr>
+                    </a:p>
+                    <a:p>
+                      <a:pPr indent="533400" algn="just">
+                        <a:spcAft>
+                          <a:spcPts val="0"/>
+                        </a:spcAft>
+                      </a:pPr>
+                      <a:r>
+                        <a:rPr lang="en-US" sz="1600" kern="100" dirty="0">
+                          <a:solidFill>
+                            <a:schemeClr val="tx1"/>
+                          </a:solidFill>
+                          <a:effectLst/>
+                        </a:rPr>
+                        <a:t>GUI=GUI </a:t>
+                      </a:r>
+                      <a:r>
+                        <a:rPr lang="zh-CN" sz="1600" kern="100" dirty="0">
+                          <a:solidFill>
+                            <a:schemeClr val="tx1"/>
+                          </a:solidFill>
+                          <a:effectLst/>
+                        </a:rPr>
+                        <a:t>∪ </a:t>
+                      </a:r>
+                      <a:r>
+                        <a:rPr lang="en-US" sz="1600" kern="100" dirty="0">
+                          <a:solidFill>
+                            <a:schemeClr val="tx1"/>
+                          </a:solidFill>
+                          <a:effectLst/>
+                        </a:rPr>
+                        <a:t>g                                                      </a:t>
+                      </a:r>
+                      <a:r>
+                        <a:rPr lang="en-US" sz="1600" kern="100" dirty="0" smtClean="0">
+                          <a:solidFill>
+                            <a:schemeClr val="tx1"/>
+                          </a:solidFill>
+                          <a:effectLst/>
+                        </a:rPr>
+                        <a:t>                                    </a:t>
+                      </a:r>
+                      <a:r>
+                        <a:rPr lang="en-US" sz="1600" kern="100" dirty="0">
+                          <a:solidFill>
+                            <a:schemeClr val="tx1"/>
+                          </a:solidFill>
+                          <a:effectLst/>
+                        </a:rPr>
+                        <a:t>12</a:t>
+                      </a:r>
+                      <a:endParaRPr lang="zh-CN" sz="1600" kern="100" dirty="0">
+                        <a:solidFill>
+                          <a:schemeClr val="tx1"/>
+                        </a:solidFill>
+                        <a:effectLst/>
+                      </a:endParaRPr>
+                    </a:p>
+                    <a:p>
+                      <a:pPr indent="533400" algn="just">
+                        <a:spcAft>
+                          <a:spcPts val="0"/>
+                        </a:spcAft>
+                      </a:pPr>
+                      <a:r>
+                        <a:rPr lang="en-US" sz="1600" kern="100" dirty="0">
+                          <a:solidFill>
+                            <a:schemeClr val="tx1"/>
+                          </a:solidFill>
+                          <a:effectLst/>
+                        </a:rPr>
+                        <a:t>FORALL  c</a:t>
+                      </a:r>
+                      <a:r>
+                        <a:rPr lang="zh-CN" sz="1600" kern="100" dirty="0">
+                          <a:solidFill>
+                            <a:schemeClr val="tx1"/>
+                          </a:solidFill>
+                          <a:effectLst/>
+                        </a:rPr>
+                        <a:t>∈</a:t>
+                      </a:r>
+                      <a:r>
+                        <a:rPr lang="en-US" sz="1600" kern="100" dirty="0">
+                          <a:solidFill>
+                            <a:schemeClr val="tx1"/>
+                          </a:solidFill>
+                          <a:effectLst/>
+                        </a:rPr>
+                        <a:t>C  DO                                                </a:t>
+                      </a:r>
+                      <a:r>
+                        <a:rPr lang="en-US" sz="1600" kern="100" dirty="0" smtClean="0">
+                          <a:solidFill>
+                            <a:schemeClr val="tx1"/>
+                          </a:solidFill>
+                          <a:effectLst/>
+                        </a:rPr>
+                        <a:t>                                  13</a:t>
+                      </a:r>
+                      <a:endParaRPr lang="zh-CN" sz="1600" kern="100" dirty="0">
+                        <a:solidFill>
+                          <a:schemeClr val="tx1"/>
+                        </a:solidFill>
+                        <a:effectLst/>
+                      </a:endParaRPr>
+                    </a:p>
+                    <a:p>
+                      <a:pPr indent="266700" algn="just">
+                        <a:spcAft>
+                          <a:spcPts val="0"/>
+                        </a:spcAft>
+                      </a:pPr>
+                      <a:r>
+                        <a:rPr lang="en-US" sz="1600" kern="100" dirty="0">
+                          <a:solidFill>
+                            <a:schemeClr val="tx1"/>
+                          </a:solidFill>
+                          <a:effectLst/>
+                        </a:rPr>
+                        <a:t>        DFS-GUI-Recursive(c)                                           </a:t>
+                      </a:r>
+                      <a:r>
+                        <a:rPr lang="en-US" sz="1600" kern="100" dirty="0" smtClean="0">
+                          <a:solidFill>
+                            <a:schemeClr val="tx1"/>
+                          </a:solidFill>
+                          <a:effectLst/>
+                        </a:rPr>
+                        <a:t>                              </a:t>
+                      </a:r>
+                      <a:r>
+                        <a:rPr lang="en-US" sz="1600" kern="100" dirty="0">
+                          <a:solidFill>
+                            <a:schemeClr val="tx1"/>
+                          </a:solidFill>
+                          <a:effectLst/>
+                        </a:rPr>
+                        <a:t>14</a:t>
+                      </a:r>
+                      <a:endParaRPr lang="zh-CN" sz="1600" kern="100" dirty="0">
+                        <a:solidFill>
+                          <a:schemeClr val="tx1"/>
+                        </a:solidFill>
+                        <a:effectLst/>
+                        <a:latin typeface="Times New Roman"/>
+                        <a:ea typeface="宋体"/>
+                      </a:endParaRPr>
+                    </a:p>
+                  </a:txBody>
+                  <a:tcPr marL="68580" marR="68580" marT="0" marB="0">
+                    <a:solidFill>
+                      <a:schemeClr val="bg1"/>
+                    </a:solidFill>
+                  </a:tcPr>
+                </a:tc>
+              </a:tr>
+            </a:tbl>
+          </a:graphicData>
+        </a:graphic>
+      </p:graphicFrame>
     </p:spTree>
     <p:extLst>
       <p:ext uri="{BB962C8B-B14F-4D97-AF65-F5344CB8AC3E}">
-        <p14:creationId xmlns:p14="http://schemas.microsoft.com/office/powerpoint/2010/main" val="1295834356"/>
+        <p14:creationId xmlns:p14="http://schemas.microsoft.com/office/powerpoint/2010/main" val="718678925"/>
       </p:ext>
     </p:extLst>
   </p:cSld>
   <p:clrMapOvr>
     <a:masterClrMapping/>
   </p:clrMapOvr>
+  <p:timing>
+    <p:tnLst>
+      <p:par>
+        <p:cTn id="1" dur="indefinite" restart="never" nodeType="tmRoot"/>
+      </p:par>
+    </p:tnLst>
+  </p:timing>
 </p:sld>
 </file>
 
@@ -4810,6 +5506,991 @@
           <a:bodyPr/>
           <a:lstStyle/>
           <a:p>
+            <a:r>
+              <a:rPr lang="en-US" altLang="zh-CN" dirty="0" smtClean="0"/>
+              <a:t>EFG</a:t>
+            </a:r>
+            <a:r>
+              <a:rPr lang="zh-CN" altLang="en-US" dirty="0" smtClean="0"/>
+              <a:t>生成</a:t>
+            </a:r>
+            <a:endParaRPr lang="zh-CN" altLang="en-US" dirty="0"/>
+          </a:p>
+        </p:txBody>
+      </p:sp>
+      <p:graphicFrame>
+        <p:nvGraphicFramePr>
+          <p:cNvPr id="4" name="内容占位符 3"/>
+          <p:cNvGraphicFramePr>
+            <a:graphicFrameLocks noGrp="1"/>
+          </p:cNvGraphicFramePr>
+          <p:nvPr>
+            <p:ph idx="1"/>
+            <p:extLst>
+              <p:ext uri="{D42A27DB-BD31-4B8C-83A1-F6EECF244321}">
+                <p14:modId xmlns:p14="http://schemas.microsoft.com/office/powerpoint/2010/main" val="2288516903"/>
+              </p:ext>
+            </p:extLst>
+          </p:nvPr>
+        </p:nvGraphicFramePr>
+        <p:xfrm>
+          <a:off x="2339752" y="1556792"/>
+          <a:ext cx="6120680" cy="4752528"/>
+        </p:xfrm>
+        <a:graphic>
+          <a:graphicData uri="http://schemas.openxmlformats.org/drawingml/2006/table">
+            <a:tbl>
+              <a:tblPr firstRow="1" firstCol="1" bandRow="1">
+                <a:tableStyleId>{5C22544A-7EE6-4342-B048-85BDC9FD1C3A}</a:tableStyleId>
+              </a:tblPr>
+              <a:tblGrid>
+                <a:gridCol w="6120680"/>
+              </a:tblGrid>
+              <a:tr h="4752528">
+                <a:tc>
+                  <a:txBody>
+                    <a:bodyPr/>
+                    <a:lstStyle/>
+                    <a:p>
+                      <a:pPr algn="just" defTabSz="914400" rtl="0" eaLnBrk="1" latinLnBrk="0" hangingPunct="1">
+                        <a:spcAft>
+                          <a:spcPts val="0"/>
+                        </a:spcAft>
+                      </a:pPr>
+                      <a:r>
+                        <a:rPr lang="en-US" sz="1800" b="1" kern="100" dirty="0">
+                          <a:solidFill>
+                            <a:schemeClr val="tx1"/>
+                          </a:solidFill>
+                          <a:effectLst/>
+                          <a:latin typeface="Arial" pitchFamily="34" charset="0"/>
+                          <a:ea typeface="Arial Unicode MS" pitchFamily="34" charset="-122"/>
+                          <a:cs typeface="Arial" pitchFamily="34" charset="0"/>
+                        </a:rPr>
+                        <a:t>ALGORITHM</a:t>
+                      </a:r>
+                      <a:r>
+                        <a:rPr lang="zh-CN" sz="1800" b="1" kern="100" dirty="0" smtClean="0">
+                          <a:solidFill>
+                            <a:schemeClr val="tx1"/>
+                          </a:solidFill>
+                          <a:effectLst/>
+                          <a:latin typeface="Arial" pitchFamily="34" charset="0"/>
+                          <a:ea typeface="Arial Unicode MS" pitchFamily="34" charset="-122"/>
+                          <a:cs typeface="Arial" pitchFamily="34" charset="0"/>
+                        </a:rPr>
+                        <a:t>：</a:t>
+                      </a:r>
+                      <a:endParaRPr lang="en-US" altLang="zh-CN" sz="1800" b="1" kern="100" dirty="0" smtClean="0">
+                        <a:solidFill>
+                          <a:schemeClr val="tx1"/>
+                        </a:solidFill>
+                        <a:effectLst/>
+                        <a:latin typeface="Arial" pitchFamily="34" charset="0"/>
+                        <a:ea typeface="Arial Unicode MS" pitchFamily="34" charset="-122"/>
+                        <a:cs typeface="Arial" pitchFamily="34" charset="0"/>
+                      </a:endParaRPr>
+                    </a:p>
+                    <a:p>
+                      <a:pPr algn="just" defTabSz="914400" rtl="0" eaLnBrk="1" latinLnBrk="0" hangingPunct="1">
+                        <a:spcAft>
+                          <a:spcPts val="0"/>
+                        </a:spcAft>
+                      </a:pPr>
+                      <a:r>
+                        <a:rPr lang="en-US" sz="1800" b="1" kern="100" dirty="0" err="1" smtClean="0">
+                          <a:solidFill>
+                            <a:schemeClr val="tx1"/>
+                          </a:solidFill>
+                          <a:effectLst/>
+                          <a:latin typeface="Arial" pitchFamily="34" charset="0"/>
+                          <a:ea typeface="Arial Unicode MS" pitchFamily="34" charset="-122"/>
+                          <a:cs typeface="Arial" pitchFamily="34" charset="0"/>
+                        </a:rPr>
+                        <a:t>GetFollows</a:t>
+                      </a:r>
+                      <a:r>
+                        <a:rPr lang="en-US" sz="1800" b="1" kern="100" dirty="0" smtClean="0">
+                          <a:solidFill>
+                            <a:schemeClr val="tx1"/>
+                          </a:solidFill>
+                          <a:effectLst/>
+                          <a:latin typeface="Arial" pitchFamily="34" charset="0"/>
+                          <a:ea typeface="Arial Unicode MS" pitchFamily="34" charset="-122"/>
+                          <a:cs typeface="Arial" pitchFamily="34" charset="0"/>
+                        </a:rPr>
+                        <a:t>(v</a:t>
+                      </a:r>
+                      <a:r>
+                        <a:rPr lang="en-US" sz="1800" b="1" kern="100" dirty="0">
+                          <a:solidFill>
+                            <a:schemeClr val="tx1"/>
+                          </a:solidFill>
+                          <a:effectLst/>
+                          <a:latin typeface="Arial" pitchFamily="34" charset="0"/>
+                          <a:ea typeface="Arial Unicode MS" pitchFamily="34" charset="-122"/>
+                          <a:cs typeface="Arial" pitchFamily="34" charset="0"/>
+                        </a:rPr>
+                        <a:t>: Vertex or Event){</a:t>
+                      </a:r>
+                      <a:endParaRPr lang="zh-CN" sz="1800" b="1" kern="100" dirty="0">
+                        <a:solidFill>
+                          <a:schemeClr val="tx1"/>
+                        </a:solidFill>
+                        <a:effectLst/>
+                        <a:latin typeface="Arial" pitchFamily="34" charset="0"/>
+                        <a:ea typeface="Arial Unicode MS" pitchFamily="34" charset="-122"/>
+                        <a:cs typeface="Arial" pitchFamily="34" charset="0"/>
+                      </a:endParaRPr>
+                    </a:p>
+                    <a:p>
+                      <a:pPr algn="just" defTabSz="914400" rtl="0" eaLnBrk="1" latinLnBrk="0" hangingPunct="1">
+                        <a:spcAft>
+                          <a:spcPts val="0"/>
+                        </a:spcAft>
+                      </a:pPr>
+                      <a:r>
+                        <a:rPr lang="en-US" sz="1800" b="1" kern="100" dirty="0">
+                          <a:solidFill>
+                            <a:schemeClr val="tx1"/>
+                          </a:solidFill>
+                          <a:effectLst/>
+                          <a:latin typeface="Arial" pitchFamily="34" charset="0"/>
+                          <a:ea typeface="Arial Unicode MS" pitchFamily="34" charset="-122"/>
+                          <a:cs typeface="Arial" pitchFamily="34" charset="0"/>
+                        </a:rPr>
+                        <a:t>IF </a:t>
+                      </a:r>
+                      <a:r>
+                        <a:rPr lang="en-US" sz="1800" b="1" kern="100" dirty="0" err="1">
+                          <a:solidFill>
+                            <a:schemeClr val="tx1"/>
+                          </a:solidFill>
+                          <a:effectLst/>
+                          <a:latin typeface="Arial" pitchFamily="34" charset="0"/>
+                          <a:ea typeface="Arial Unicode MS" pitchFamily="34" charset="-122"/>
+                          <a:cs typeface="Arial" pitchFamily="34" charset="0"/>
+                        </a:rPr>
+                        <a:t>EventType</a:t>
+                      </a:r>
+                      <a:r>
+                        <a:rPr lang="en-US" sz="1800" b="1" kern="100" dirty="0">
+                          <a:solidFill>
+                            <a:schemeClr val="tx1"/>
+                          </a:solidFill>
+                          <a:effectLst/>
+                          <a:latin typeface="Arial" pitchFamily="34" charset="0"/>
+                          <a:ea typeface="Arial Unicode MS" pitchFamily="34" charset="-122"/>
+                          <a:cs typeface="Arial" pitchFamily="34" charset="0"/>
+                        </a:rPr>
+                        <a:t>(v)=menu-open</a:t>
+                      </a:r>
+                      <a:endParaRPr lang="zh-CN" sz="1800" b="1" kern="100" dirty="0">
+                        <a:solidFill>
+                          <a:schemeClr val="tx1"/>
+                        </a:solidFill>
+                        <a:effectLst/>
+                        <a:latin typeface="Arial" pitchFamily="34" charset="0"/>
+                        <a:ea typeface="Arial Unicode MS" pitchFamily="34" charset="-122"/>
+                        <a:cs typeface="Arial" pitchFamily="34" charset="0"/>
+                      </a:endParaRPr>
+                    </a:p>
+                    <a:p>
+                      <a:pPr algn="just" defTabSz="914400" rtl="0" eaLnBrk="1" latinLnBrk="0" hangingPunct="1">
+                        <a:spcAft>
+                          <a:spcPts val="0"/>
+                        </a:spcAft>
+                      </a:pPr>
+                      <a:r>
+                        <a:rPr lang="en-US" sz="1800" b="1" kern="100" dirty="0">
+                          <a:solidFill>
+                            <a:schemeClr val="tx1"/>
+                          </a:solidFill>
+                          <a:effectLst/>
+                          <a:latin typeface="Arial" pitchFamily="34" charset="0"/>
+                          <a:ea typeface="Arial Unicode MS" pitchFamily="34" charset="-122"/>
+                          <a:cs typeface="Arial" pitchFamily="34" charset="0"/>
+                        </a:rPr>
+                        <a:t>        IF v</a:t>
+                      </a:r>
+                      <a:r>
+                        <a:rPr lang="zh-CN" sz="1800" b="1" kern="100" dirty="0">
+                          <a:solidFill>
+                            <a:schemeClr val="tx1"/>
+                          </a:solidFill>
+                          <a:effectLst/>
+                          <a:latin typeface="Arial" pitchFamily="34" charset="0"/>
+                          <a:ea typeface="Arial Unicode MS" pitchFamily="34" charset="-122"/>
+                          <a:cs typeface="Arial" pitchFamily="34" charset="0"/>
+                        </a:rPr>
+                        <a:t>∈</a:t>
+                      </a:r>
+                      <a:r>
+                        <a:rPr lang="en-US" sz="1800" b="1" kern="100" dirty="0">
+                          <a:solidFill>
+                            <a:schemeClr val="tx1"/>
+                          </a:solidFill>
+                          <a:effectLst/>
+                          <a:latin typeface="Arial" pitchFamily="34" charset="0"/>
+                          <a:ea typeface="Arial Unicode MS" pitchFamily="34" charset="-122"/>
+                          <a:cs typeface="Arial" pitchFamily="34" charset="0"/>
+                        </a:rPr>
+                        <a:t>B of newly invoked modal dialogue</a:t>
+                      </a:r>
+                      <a:endParaRPr lang="zh-CN" sz="1800" b="1" kern="100" dirty="0">
+                        <a:solidFill>
+                          <a:schemeClr val="tx1"/>
+                        </a:solidFill>
+                        <a:effectLst/>
+                        <a:latin typeface="Arial" pitchFamily="34" charset="0"/>
+                        <a:ea typeface="Arial Unicode MS" pitchFamily="34" charset="-122"/>
+                        <a:cs typeface="Arial" pitchFamily="34" charset="0"/>
+                      </a:endParaRPr>
+                    </a:p>
+                    <a:p>
+                      <a:pPr algn="just" defTabSz="914400" rtl="0" eaLnBrk="1" latinLnBrk="0" hangingPunct="1">
+                        <a:spcAft>
+                          <a:spcPts val="0"/>
+                        </a:spcAft>
+                      </a:pPr>
+                      <a:r>
+                        <a:rPr lang="en-US" sz="1800" b="1" kern="100" dirty="0">
+                          <a:solidFill>
+                            <a:schemeClr val="tx1"/>
+                          </a:solidFill>
+                          <a:effectLst/>
+                          <a:latin typeface="Arial" pitchFamily="34" charset="0"/>
+                          <a:ea typeface="Arial Unicode MS" pitchFamily="34" charset="-122"/>
+                          <a:cs typeface="Arial" pitchFamily="34" charset="0"/>
+                        </a:rPr>
+                        <a:t>               return (</a:t>
+                      </a:r>
+                      <a:r>
+                        <a:rPr lang="en-US" sz="1800" b="1" kern="100" dirty="0" err="1">
+                          <a:solidFill>
+                            <a:schemeClr val="tx1"/>
+                          </a:solidFill>
+                          <a:effectLst/>
+                          <a:latin typeface="Arial" pitchFamily="34" charset="0"/>
+                          <a:ea typeface="Arial Unicode MS" pitchFamily="34" charset="-122"/>
+                          <a:cs typeface="Arial" pitchFamily="34" charset="0"/>
+                        </a:rPr>
+                        <a:t>MenuChoices</a:t>
+                      </a:r>
+                      <a:r>
+                        <a:rPr lang="en-US" sz="1800" b="1" kern="100" dirty="0">
+                          <a:solidFill>
+                            <a:schemeClr val="tx1"/>
+                          </a:solidFill>
+                          <a:effectLst/>
+                          <a:latin typeface="Arial" pitchFamily="34" charset="0"/>
+                          <a:ea typeface="Arial Unicode MS" pitchFamily="34" charset="-122"/>
+                          <a:cs typeface="Arial" pitchFamily="34" charset="0"/>
+                        </a:rPr>
+                        <a:t>(v)</a:t>
+                      </a:r>
+                      <a:r>
+                        <a:rPr lang="zh-CN" sz="1800" b="1" kern="100" dirty="0">
+                          <a:solidFill>
+                            <a:schemeClr val="tx1"/>
+                          </a:solidFill>
+                          <a:effectLst/>
+                          <a:latin typeface="Arial" pitchFamily="34" charset="0"/>
+                          <a:ea typeface="Arial Unicode MS" pitchFamily="34" charset="-122"/>
+                          <a:cs typeface="Arial" pitchFamily="34" charset="0"/>
+                        </a:rPr>
+                        <a:t>∪</a:t>
+                      </a:r>
+                      <a:r>
+                        <a:rPr lang="en-US" sz="1800" b="1" kern="100" dirty="0">
+                          <a:solidFill>
+                            <a:schemeClr val="tx1"/>
+                          </a:solidFill>
+                          <a:effectLst/>
+                          <a:latin typeface="Arial" pitchFamily="34" charset="0"/>
+                          <a:ea typeface="Arial Unicode MS" pitchFamily="34" charset="-122"/>
+                          <a:cs typeface="Arial" pitchFamily="34" charset="0"/>
+                        </a:rPr>
+                        <a:t>{v}</a:t>
+                      </a:r>
+                      <a:r>
+                        <a:rPr lang="zh-CN" sz="1800" b="1" kern="100" dirty="0">
+                          <a:solidFill>
+                            <a:schemeClr val="tx1"/>
+                          </a:solidFill>
+                          <a:effectLst/>
+                          <a:latin typeface="Arial" pitchFamily="34" charset="0"/>
+                          <a:ea typeface="Arial Unicode MS" pitchFamily="34" charset="-122"/>
+                          <a:cs typeface="Arial" pitchFamily="34" charset="0"/>
+                        </a:rPr>
+                        <a:t>∪</a:t>
+                      </a:r>
+                      <a:r>
+                        <a:rPr lang="en-US" sz="1800" b="1" kern="100" dirty="0">
+                          <a:solidFill>
+                            <a:schemeClr val="tx1"/>
+                          </a:solidFill>
+                          <a:effectLst/>
+                          <a:latin typeface="Arial" pitchFamily="34" charset="0"/>
+                          <a:ea typeface="Arial Unicode MS" pitchFamily="34" charset="-122"/>
+                          <a:cs typeface="Arial" pitchFamily="34" charset="0"/>
+                        </a:rPr>
+                        <a:t>B)</a:t>
+                      </a:r>
+                      <a:endParaRPr lang="zh-CN" sz="1800" b="1" kern="100" dirty="0">
+                        <a:solidFill>
+                          <a:schemeClr val="tx1"/>
+                        </a:solidFill>
+                        <a:effectLst/>
+                        <a:latin typeface="Arial" pitchFamily="34" charset="0"/>
+                        <a:ea typeface="Arial Unicode MS" pitchFamily="34" charset="-122"/>
+                        <a:cs typeface="Arial" pitchFamily="34" charset="0"/>
+                      </a:endParaRPr>
+                    </a:p>
+                    <a:p>
+                      <a:pPr algn="just" defTabSz="914400" rtl="0" eaLnBrk="1" latinLnBrk="0" hangingPunct="1">
+                        <a:spcAft>
+                          <a:spcPts val="0"/>
+                        </a:spcAft>
+                      </a:pPr>
+                      <a:r>
+                        <a:rPr lang="en-US" sz="1800" b="1" kern="100" dirty="0">
+                          <a:solidFill>
+                            <a:schemeClr val="tx1"/>
+                          </a:solidFill>
+                          <a:effectLst/>
+                          <a:latin typeface="Arial" pitchFamily="34" charset="0"/>
+                          <a:ea typeface="Arial Unicode MS" pitchFamily="34" charset="-122"/>
+                          <a:cs typeface="Arial" pitchFamily="34" charset="0"/>
+                        </a:rPr>
+                        <a:t>        ELSE</a:t>
+                      </a:r>
+                      <a:endParaRPr lang="zh-CN" sz="1800" b="1" kern="100" dirty="0">
+                        <a:solidFill>
+                          <a:schemeClr val="tx1"/>
+                        </a:solidFill>
+                        <a:effectLst/>
+                        <a:latin typeface="Arial" pitchFamily="34" charset="0"/>
+                        <a:ea typeface="Arial Unicode MS" pitchFamily="34" charset="-122"/>
+                        <a:cs typeface="Arial" pitchFamily="34" charset="0"/>
+                      </a:endParaRPr>
+                    </a:p>
+                    <a:p>
+                      <a:pPr algn="just" defTabSz="914400" rtl="0" eaLnBrk="1" latinLnBrk="0" hangingPunct="1">
+                        <a:spcAft>
+                          <a:spcPts val="0"/>
+                        </a:spcAft>
+                      </a:pPr>
+                      <a:r>
+                        <a:rPr lang="en-US" sz="1800" b="1" kern="100" dirty="0">
+                          <a:solidFill>
+                            <a:schemeClr val="tx1"/>
+                          </a:solidFill>
+                          <a:effectLst/>
+                          <a:latin typeface="Arial" pitchFamily="34" charset="0"/>
+                          <a:ea typeface="Arial Unicode MS" pitchFamily="34" charset="-122"/>
+                          <a:cs typeface="Arial" pitchFamily="34" charset="0"/>
+                        </a:rPr>
+                        <a:t>                return  </a:t>
+                      </a:r>
+                      <a:r>
+                        <a:rPr lang="en-US" sz="1800" b="1" kern="100" dirty="0" err="1">
+                          <a:solidFill>
+                            <a:schemeClr val="tx1"/>
+                          </a:solidFill>
+                          <a:effectLst/>
+                          <a:latin typeface="Arial" pitchFamily="34" charset="0"/>
+                          <a:ea typeface="Arial Unicode MS" pitchFamily="34" charset="-122"/>
+                          <a:cs typeface="Arial" pitchFamily="34" charset="0"/>
+                        </a:rPr>
+                        <a:t>MenuChoice</a:t>
+                      </a:r>
+                      <a:r>
+                        <a:rPr lang="en-US" sz="1800" b="1" kern="100" dirty="0">
+                          <a:solidFill>
+                            <a:schemeClr val="tx1"/>
+                          </a:solidFill>
+                          <a:effectLst/>
+                          <a:latin typeface="Arial" pitchFamily="34" charset="0"/>
+                          <a:ea typeface="Arial Unicode MS" pitchFamily="34" charset="-122"/>
+                          <a:cs typeface="Arial" pitchFamily="34" charset="0"/>
+                        </a:rPr>
+                        <a:t>(v)</a:t>
+                      </a:r>
+                      <a:r>
+                        <a:rPr lang="zh-CN" sz="1800" b="1" kern="100" dirty="0">
+                          <a:solidFill>
+                            <a:schemeClr val="tx1"/>
+                          </a:solidFill>
+                          <a:effectLst/>
+                          <a:latin typeface="Arial" pitchFamily="34" charset="0"/>
+                          <a:ea typeface="Arial Unicode MS" pitchFamily="34" charset="-122"/>
+                          <a:cs typeface="Arial" pitchFamily="34" charset="0"/>
+                        </a:rPr>
+                        <a:t>∪</a:t>
+                      </a:r>
+                      <a:r>
+                        <a:rPr lang="en-US" sz="1800" b="1" kern="100" dirty="0">
+                          <a:solidFill>
+                            <a:schemeClr val="tx1"/>
+                          </a:solidFill>
+                          <a:effectLst/>
+                          <a:latin typeface="Arial" pitchFamily="34" charset="0"/>
+                          <a:ea typeface="Arial Unicode MS" pitchFamily="34" charset="-122"/>
+                          <a:cs typeface="Arial" pitchFamily="34" charset="0"/>
+                        </a:rPr>
+                        <a:t>{v}</a:t>
+                      </a:r>
+                      <a:r>
+                        <a:rPr lang="zh-CN" sz="1800" b="1" kern="100" dirty="0">
+                          <a:solidFill>
+                            <a:schemeClr val="tx1"/>
+                          </a:solidFill>
+                          <a:effectLst/>
+                          <a:latin typeface="Arial" pitchFamily="34" charset="0"/>
+                          <a:ea typeface="Arial Unicode MS" pitchFamily="34" charset="-122"/>
+                          <a:cs typeface="Arial" pitchFamily="34" charset="0"/>
+                        </a:rPr>
+                        <a:t>∪</a:t>
+                      </a:r>
+                      <a:r>
+                        <a:rPr lang="en-US" sz="1800" b="1" kern="100" dirty="0">
+                          <a:solidFill>
+                            <a:schemeClr val="tx1"/>
+                          </a:solidFill>
+                          <a:effectLst/>
+                          <a:latin typeface="Arial" pitchFamily="34" charset="0"/>
+                          <a:ea typeface="Arial Unicode MS" pitchFamily="34" charset="-122"/>
+                          <a:cs typeface="Arial" pitchFamily="34" charset="0"/>
+                        </a:rPr>
+                        <a:t>follows(parent(v)))</a:t>
+                      </a:r>
+                      <a:endParaRPr lang="zh-CN" sz="1800" b="1" kern="100" dirty="0">
+                        <a:solidFill>
+                          <a:schemeClr val="tx1"/>
+                        </a:solidFill>
+                        <a:effectLst/>
+                        <a:latin typeface="Arial" pitchFamily="34" charset="0"/>
+                        <a:ea typeface="Arial Unicode MS" pitchFamily="34" charset="-122"/>
+                        <a:cs typeface="Arial" pitchFamily="34" charset="0"/>
+                      </a:endParaRPr>
+                    </a:p>
+                    <a:p>
+                      <a:pPr algn="just" defTabSz="914400" rtl="0" eaLnBrk="1" latinLnBrk="0" hangingPunct="1">
+                        <a:spcAft>
+                          <a:spcPts val="0"/>
+                        </a:spcAft>
+                      </a:pPr>
+                      <a:r>
+                        <a:rPr lang="en-US" sz="1800" b="1" kern="100" dirty="0">
+                          <a:solidFill>
+                            <a:schemeClr val="tx1"/>
+                          </a:solidFill>
+                          <a:effectLst/>
+                          <a:latin typeface="Arial" pitchFamily="34" charset="0"/>
+                          <a:ea typeface="Arial Unicode MS" pitchFamily="34" charset="-122"/>
+                          <a:cs typeface="Arial" pitchFamily="34" charset="0"/>
+                        </a:rPr>
+                        <a:t>IF </a:t>
+                      </a:r>
+                      <a:r>
+                        <a:rPr lang="en-US" sz="1800" b="1" kern="100" dirty="0" err="1">
+                          <a:solidFill>
+                            <a:schemeClr val="tx1"/>
+                          </a:solidFill>
+                          <a:effectLst/>
+                          <a:latin typeface="Arial" pitchFamily="34" charset="0"/>
+                          <a:ea typeface="Arial Unicode MS" pitchFamily="34" charset="-122"/>
+                          <a:cs typeface="Arial" pitchFamily="34" charset="0"/>
+                        </a:rPr>
+                        <a:t>EventType</a:t>
+                      </a:r>
+                      <a:r>
+                        <a:rPr lang="en-US" sz="1800" b="1" kern="100" dirty="0">
+                          <a:solidFill>
+                            <a:schemeClr val="tx1"/>
+                          </a:solidFill>
+                          <a:effectLst/>
+                          <a:latin typeface="Arial" pitchFamily="34" charset="0"/>
+                          <a:ea typeface="Arial Unicode MS" pitchFamily="34" charset="-122"/>
+                          <a:cs typeface="Arial" pitchFamily="34" charset="0"/>
+                        </a:rPr>
+                        <a:t>(v)=system-interaction</a:t>
+                      </a:r>
+                      <a:endParaRPr lang="zh-CN" sz="1800" b="1" kern="100" dirty="0">
+                        <a:solidFill>
+                          <a:schemeClr val="tx1"/>
+                        </a:solidFill>
+                        <a:effectLst/>
+                        <a:latin typeface="Arial" pitchFamily="34" charset="0"/>
+                        <a:ea typeface="Arial Unicode MS" pitchFamily="34" charset="-122"/>
+                        <a:cs typeface="Arial" pitchFamily="34" charset="0"/>
+                      </a:endParaRPr>
+                    </a:p>
+                    <a:p>
+                      <a:pPr algn="just" defTabSz="914400" rtl="0" eaLnBrk="1" latinLnBrk="0" hangingPunct="1">
+                        <a:spcAft>
+                          <a:spcPts val="0"/>
+                        </a:spcAft>
+                      </a:pPr>
+                      <a:r>
+                        <a:rPr lang="en-US" sz="1800" b="1" kern="100" dirty="0">
+                          <a:solidFill>
+                            <a:schemeClr val="tx1"/>
+                          </a:solidFill>
+                          <a:effectLst/>
+                          <a:latin typeface="Arial" pitchFamily="34" charset="0"/>
+                          <a:ea typeface="Arial Unicode MS" pitchFamily="34" charset="-122"/>
+                          <a:cs typeface="Arial" pitchFamily="34" charset="0"/>
+                        </a:rPr>
+                        <a:t>        return(B of current window)</a:t>
+                      </a:r>
+                      <a:endParaRPr lang="zh-CN" sz="1800" b="1" kern="100" dirty="0">
+                        <a:solidFill>
+                          <a:schemeClr val="tx1"/>
+                        </a:solidFill>
+                        <a:effectLst/>
+                        <a:latin typeface="Arial" pitchFamily="34" charset="0"/>
+                        <a:ea typeface="Arial Unicode MS" pitchFamily="34" charset="-122"/>
+                        <a:cs typeface="Arial" pitchFamily="34" charset="0"/>
+                      </a:endParaRPr>
+                    </a:p>
+                    <a:p>
+                      <a:pPr algn="just" defTabSz="914400" rtl="0" eaLnBrk="1" latinLnBrk="0" hangingPunct="1">
+                        <a:spcAft>
+                          <a:spcPts val="0"/>
+                        </a:spcAft>
+                      </a:pPr>
+                      <a:r>
+                        <a:rPr lang="en-US" sz="1800" b="1" kern="100" dirty="0">
+                          <a:solidFill>
+                            <a:schemeClr val="tx1"/>
+                          </a:solidFill>
+                          <a:effectLst/>
+                          <a:latin typeface="Arial" pitchFamily="34" charset="0"/>
+                          <a:ea typeface="Arial Unicode MS" pitchFamily="34" charset="-122"/>
+                          <a:cs typeface="Arial" pitchFamily="34" charset="0"/>
+                        </a:rPr>
+                        <a:t>IF </a:t>
+                      </a:r>
+                      <a:r>
+                        <a:rPr lang="en-US" sz="1800" b="1" kern="100" dirty="0" err="1">
+                          <a:solidFill>
+                            <a:schemeClr val="tx1"/>
+                          </a:solidFill>
+                          <a:effectLst/>
+                          <a:latin typeface="Arial" pitchFamily="34" charset="0"/>
+                          <a:ea typeface="Arial Unicode MS" pitchFamily="34" charset="-122"/>
+                          <a:cs typeface="Arial" pitchFamily="34" charset="0"/>
+                        </a:rPr>
+                        <a:t>EventType</a:t>
+                      </a:r>
+                      <a:r>
+                        <a:rPr lang="en-US" sz="1800" b="1" kern="100" dirty="0">
+                          <a:solidFill>
+                            <a:schemeClr val="tx1"/>
+                          </a:solidFill>
+                          <a:effectLst/>
+                          <a:latin typeface="Arial" pitchFamily="34" charset="0"/>
+                          <a:ea typeface="Arial Unicode MS" pitchFamily="34" charset="-122"/>
+                          <a:cs typeface="Arial" pitchFamily="34" charset="0"/>
+                        </a:rPr>
+                        <a:t>(v)=termination</a:t>
+                      </a:r>
+                      <a:endParaRPr lang="zh-CN" sz="1800" b="1" kern="100" dirty="0">
+                        <a:solidFill>
+                          <a:schemeClr val="tx1"/>
+                        </a:solidFill>
+                        <a:effectLst/>
+                        <a:latin typeface="Arial" pitchFamily="34" charset="0"/>
+                        <a:ea typeface="Arial Unicode MS" pitchFamily="34" charset="-122"/>
+                        <a:cs typeface="Arial" pitchFamily="34" charset="0"/>
+                      </a:endParaRPr>
+                    </a:p>
+                    <a:p>
+                      <a:pPr algn="just" defTabSz="914400" rtl="0" eaLnBrk="1" latinLnBrk="0" hangingPunct="1">
+                        <a:spcAft>
+                          <a:spcPts val="0"/>
+                        </a:spcAft>
+                      </a:pPr>
+                      <a:r>
+                        <a:rPr lang="en-US" sz="1800" b="1" kern="100" dirty="0">
+                          <a:solidFill>
+                            <a:schemeClr val="tx1"/>
+                          </a:solidFill>
+                          <a:effectLst/>
+                          <a:latin typeface="Arial" pitchFamily="34" charset="0"/>
+                          <a:ea typeface="Arial Unicode MS" pitchFamily="34" charset="-122"/>
+                          <a:cs typeface="Arial" pitchFamily="34" charset="0"/>
+                        </a:rPr>
+                        <a:t>        return(B of Invoking modal dialogue)</a:t>
+                      </a:r>
+                      <a:endParaRPr lang="zh-CN" sz="1800" b="1" kern="100" dirty="0">
+                        <a:solidFill>
+                          <a:schemeClr val="tx1"/>
+                        </a:solidFill>
+                        <a:effectLst/>
+                        <a:latin typeface="Arial" pitchFamily="34" charset="0"/>
+                        <a:ea typeface="Arial Unicode MS" pitchFamily="34" charset="-122"/>
+                        <a:cs typeface="Arial" pitchFamily="34" charset="0"/>
+                      </a:endParaRPr>
+                    </a:p>
+                    <a:p>
+                      <a:pPr algn="just" defTabSz="914400" rtl="0" eaLnBrk="1" latinLnBrk="0" hangingPunct="1">
+                        <a:spcAft>
+                          <a:spcPts val="0"/>
+                        </a:spcAft>
+                      </a:pPr>
+                      <a:r>
+                        <a:rPr lang="en-US" sz="1800" b="1" kern="100" dirty="0">
+                          <a:solidFill>
+                            <a:schemeClr val="tx1"/>
+                          </a:solidFill>
+                          <a:effectLst/>
+                          <a:latin typeface="Arial" pitchFamily="34" charset="0"/>
+                          <a:ea typeface="Arial Unicode MS" pitchFamily="34" charset="-122"/>
+                          <a:cs typeface="Arial" pitchFamily="34" charset="0"/>
+                        </a:rPr>
+                        <a:t>IF </a:t>
+                      </a:r>
+                      <a:r>
+                        <a:rPr lang="en-US" sz="1800" b="1" kern="100" dirty="0" err="1">
+                          <a:solidFill>
+                            <a:schemeClr val="tx1"/>
+                          </a:solidFill>
+                          <a:effectLst/>
+                          <a:latin typeface="Arial" pitchFamily="34" charset="0"/>
+                          <a:ea typeface="Arial Unicode MS" pitchFamily="34" charset="-122"/>
+                          <a:cs typeface="Arial" pitchFamily="34" charset="0"/>
+                        </a:rPr>
+                        <a:t>EventType</a:t>
+                      </a:r>
+                      <a:r>
+                        <a:rPr lang="en-US" sz="1800" b="1" kern="100" dirty="0">
+                          <a:solidFill>
+                            <a:schemeClr val="tx1"/>
+                          </a:solidFill>
+                          <a:effectLst/>
+                          <a:latin typeface="Arial" pitchFamily="34" charset="0"/>
+                          <a:ea typeface="Arial Unicode MS" pitchFamily="34" charset="-122"/>
+                          <a:cs typeface="Arial" pitchFamily="34" charset="0"/>
+                        </a:rPr>
+                        <a:t>(v)=unrestricted-focus</a:t>
+                      </a:r>
+                      <a:endParaRPr lang="zh-CN" sz="1800" b="1" kern="100" dirty="0">
+                        <a:solidFill>
+                          <a:schemeClr val="tx1"/>
+                        </a:solidFill>
+                        <a:effectLst/>
+                        <a:latin typeface="Arial" pitchFamily="34" charset="0"/>
+                        <a:ea typeface="Arial Unicode MS" pitchFamily="34" charset="-122"/>
+                        <a:cs typeface="Arial" pitchFamily="34" charset="0"/>
+                      </a:endParaRPr>
+                    </a:p>
+                    <a:p>
+                      <a:pPr algn="just" defTabSz="914400" rtl="0" eaLnBrk="1" latinLnBrk="0" hangingPunct="1">
+                        <a:spcAft>
+                          <a:spcPts val="0"/>
+                        </a:spcAft>
+                      </a:pPr>
+                      <a:r>
+                        <a:rPr lang="en-US" sz="1800" b="1" kern="100" dirty="0">
+                          <a:solidFill>
+                            <a:schemeClr val="tx1"/>
+                          </a:solidFill>
+                          <a:effectLst/>
+                          <a:latin typeface="Arial" pitchFamily="34" charset="0"/>
+                          <a:ea typeface="Arial Unicode MS" pitchFamily="34" charset="-122"/>
+                          <a:cs typeface="Arial" pitchFamily="34" charset="0"/>
+                        </a:rPr>
+                        <a:t>        return(B</a:t>
+                      </a:r>
+                      <a:r>
+                        <a:rPr lang="zh-CN" sz="1800" b="1" kern="100" dirty="0">
+                          <a:solidFill>
+                            <a:schemeClr val="tx1"/>
+                          </a:solidFill>
+                          <a:effectLst/>
+                          <a:latin typeface="Arial" pitchFamily="34" charset="0"/>
+                          <a:ea typeface="Arial Unicode MS" pitchFamily="34" charset="-122"/>
+                          <a:cs typeface="Arial" pitchFamily="34" charset="0"/>
+                        </a:rPr>
+                        <a:t>∪</a:t>
+                      </a:r>
+                      <a:r>
+                        <a:rPr lang="en-US" sz="1800" b="1" kern="100" dirty="0">
+                          <a:solidFill>
+                            <a:schemeClr val="tx1"/>
+                          </a:solidFill>
+                          <a:effectLst/>
+                          <a:latin typeface="Arial" pitchFamily="34" charset="0"/>
+                          <a:ea typeface="Arial Unicode MS" pitchFamily="34" charset="-122"/>
+                          <a:cs typeface="Arial" pitchFamily="34" charset="0"/>
+                        </a:rPr>
+                        <a:t>B of Invoked modal dialogue)</a:t>
+                      </a:r>
+                      <a:endParaRPr lang="zh-CN" sz="1800" b="1" kern="100" dirty="0">
+                        <a:solidFill>
+                          <a:schemeClr val="tx1"/>
+                        </a:solidFill>
+                        <a:effectLst/>
+                        <a:latin typeface="Arial" pitchFamily="34" charset="0"/>
+                        <a:ea typeface="Arial Unicode MS" pitchFamily="34" charset="-122"/>
+                        <a:cs typeface="Arial" pitchFamily="34" charset="0"/>
+                      </a:endParaRPr>
+                    </a:p>
+                    <a:p>
+                      <a:pPr algn="just" defTabSz="914400" rtl="0" eaLnBrk="1" latinLnBrk="0" hangingPunct="1">
+                        <a:spcAft>
+                          <a:spcPts val="0"/>
+                        </a:spcAft>
+                      </a:pPr>
+                      <a:r>
+                        <a:rPr lang="en-US" sz="1800" b="1" kern="100" dirty="0">
+                          <a:solidFill>
+                            <a:schemeClr val="tx1"/>
+                          </a:solidFill>
+                          <a:effectLst/>
+                          <a:latin typeface="Arial" pitchFamily="34" charset="0"/>
+                          <a:ea typeface="Arial Unicode MS" pitchFamily="34" charset="-122"/>
+                          <a:cs typeface="Arial" pitchFamily="34" charset="0"/>
+                        </a:rPr>
+                        <a:t>IF </a:t>
+                      </a:r>
+                      <a:r>
+                        <a:rPr lang="en-US" sz="1800" b="1" kern="100" dirty="0" err="1">
+                          <a:solidFill>
+                            <a:schemeClr val="tx1"/>
+                          </a:solidFill>
+                          <a:effectLst/>
+                          <a:latin typeface="Arial" pitchFamily="34" charset="0"/>
+                          <a:ea typeface="Arial Unicode MS" pitchFamily="34" charset="-122"/>
+                          <a:cs typeface="Arial" pitchFamily="34" charset="0"/>
+                        </a:rPr>
+                        <a:t>EventType</a:t>
+                      </a:r>
+                      <a:r>
+                        <a:rPr lang="en-US" sz="1800" b="1" kern="100" dirty="0">
+                          <a:solidFill>
+                            <a:schemeClr val="tx1"/>
+                          </a:solidFill>
+                          <a:effectLst/>
+                          <a:latin typeface="Arial" pitchFamily="34" charset="0"/>
+                          <a:ea typeface="Arial Unicode MS" pitchFamily="34" charset="-122"/>
+                          <a:cs typeface="Arial" pitchFamily="34" charset="0"/>
+                        </a:rPr>
+                        <a:t>(v)=restricted-focus</a:t>
+                      </a:r>
+                      <a:endParaRPr lang="zh-CN" sz="1800" b="1" kern="100" dirty="0">
+                        <a:solidFill>
+                          <a:schemeClr val="tx1"/>
+                        </a:solidFill>
+                        <a:effectLst/>
+                        <a:latin typeface="Arial" pitchFamily="34" charset="0"/>
+                        <a:ea typeface="Arial Unicode MS" pitchFamily="34" charset="-122"/>
+                        <a:cs typeface="Arial" pitchFamily="34" charset="0"/>
+                      </a:endParaRPr>
+                    </a:p>
+                    <a:p>
+                      <a:pPr algn="just" defTabSz="914400" rtl="0" eaLnBrk="1" latinLnBrk="0" hangingPunct="1">
+                        <a:spcAft>
+                          <a:spcPts val="0"/>
+                        </a:spcAft>
+                      </a:pPr>
+                      <a:r>
+                        <a:rPr lang="en-US" sz="1800" b="1" kern="100" dirty="0">
+                          <a:solidFill>
+                            <a:schemeClr val="tx1"/>
+                          </a:solidFill>
+                          <a:effectLst/>
+                          <a:latin typeface="Arial" pitchFamily="34" charset="0"/>
+                          <a:ea typeface="Arial Unicode MS" pitchFamily="34" charset="-122"/>
+                          <a:cs typeface="Arial" pitchFamily="34" charset="0"/>
+                        </a:rPr>
+                        <a:t>        return(B of Invoked modal dialogue)</a:t>
+                      </a:r>
+                      <a:endParaRPr lang="zh-CN" sz="1800" b="1" kern="100" dirty="0">
+                        <a:solidFill>
+                          <a:schemeClr val="tx1"/>
+                        </a:solidFill>
+                        <a:effectLst/>
+                        <a:latin typeface="Arial" pitchFamily="34" charset="0"/>
+                        <a:ea typeface="Arial Unicode MS" pitchFamily="34" charset="-122"/>
+                        <a:cs typeface="Arial" pitchFamily="34" charset="0"/>
+                      </a:endParaRPr>
+                    </a:p>
+                    <a:p>
+                      <a:pPr algn="just">
+                        <a:spcAft>
+                          <a:spcPts val="0"/>
+                        </a:spcAft>
+                      </a:pPr>
+                      <a:r>
+                        <a:rPr lang="en-US" sz="1050" kern="100" dirty="0">
+                          <a:effectLst/>
+                        </a:rPr>
+                        <a:t> </a:t>
+                      </a:r>
+                      <a:endParaRPr lang="zh-CN" sz="1050" kern="100" dirty="0">
+                        <a:effectLst/>
+                        <a:latin typeface="Times New Roman"/>
+                        <a:ea typeface="宋体"/>
+                      </a:endParaRPr>
+                    </a:p>
+                  </a:txBody>
+                  <a:tcPr marL="68580" marR="68580" marT="0" marB="0">
+                    <a:solidFill>
+                      <a:schemeClr val="bg1"/>
+                    </a:solidFill>
+                  </a:tcPr>
+                </a:tc>
+              </a:tr>
+            </a:tbl>
+          </a:graphicData>
+        </a:graphic>
+      </p:graphicFrame>
+    </p:spTree>
+    <p:extLst>
+      <p:ext uri="{BB962C8B-B14F-4D97-AF65-F5344CB8AC3E}">
+        <p14:creationId xmlns:p14="http://schemas.microsoft.com/office/powerpoint/2010/main" val="1265792355"/>
+      </p:ext>
+    </p:extLst>
+  </p:cSld>
+  <p:clrMapOvr>
+    <a:masterClrMapping/>
+  </p:clrMapOvr>
+  <p:timing>
+    <p:tnLst>
+      <p:par>
+        <p:cTn id="1" dur="indefinite" restart="never" nodeType="tmRoot"/>
+      </p:par>
+    </p:tnLst>
+  </p:timing>
+</p:sld>
+</file>
+
+<file path=ppt/slides/slide12.xml><?xml version="1.0" encoding="utf-8"?>
+<p:sld xmlns:a="http://schemas.openxmlformats.org/drawingml/2006/main" xmlns:r="http://schemas.openxmlformats.org/officeDocument/2006/relationships" xmlns:p="http://schemas.openxmlformats.org/presentationml/2006/main">
+  <p:cSld>
+    <p:spTree>
+      <p:nvGrpSpPr>
+        <p:cNvPr id="1" name=""/>
+        <p:cNvGrpSpPr/>
+        <p:nvPr/>
+      </p:nvGrpSpPr>
+      <p:grpSpPr>
+        <a:xfrm>
+          <a:off x="0" y="0"/>
+          <a:ext cx="0" cy="0"/>
+          <a:chOff x="0" y="0"/>
+          <a:chExt cx="0" cy="0"/>
+        </a:xfrm>
+      </p:grpSpPr>
+      <p:sp>
+        <p:nvSpPr>
+          <p:cNvPr id="2" name="标题 1"/>
+          <p:cNvSpPr>
+            <a:spLocks noGrp="1"/>
+          </p:cNvSpPr>
+          <p:nvPr>
+            <p:ph type="title"/>
+          </p:nvPr>
+        </p:nvSpPr>
+        <p:spPr/>
+        <p:txBody>
+          <a:bodyPr/>
+          <a:lstStyle/>
+          <a:p>
+            <a:r>
+              <a:rPr lang="zh-CN" altLang="en-US" dirty="0" smtClean="0"/>
+              <a:t>数据结构</a:t>
+            </a:r>
+            <a:endParaRPr lang="zh-CN" altLang="en-US" dirty="0"/>
+          </a:p>
+        </p:txBody>
+      </p:sp>
+      <p:sp>
+        <p:nvSpPr>
+          <p:cNvPr id="3" name="内容占位符 2"/>
+          <p:cNvSpPr>
+            <a:spLocks noGrp="1"/>
+          </p:cNvSpPr>
+          <p:nvPr>
+            <p:ph idx="1"/>
+          </p:nvPr>
+        </p:nvSpPr>
+        <p:spPr/>
+        <p:txBody>
+          <a:bodyPr/>
+          <a:lstStyle/>
+          <a:p>
+            <a:r>
+              <a:rPr lang="en-US" altLang="zh-CN" dirty="0" err="1" smtClean="0"/>
+              <a:t>GUIStructure</a:t>
+            </a:r>
+            <a:endParaRPr lang="en-US" altLang="zh-CN" dirty="0" smtClean="0"/>
+          </a:p>
+          <a:p>
+            <a:r>
+              <a:rPr lang="en-US" altLang="zh-CN" dirty="0"/>
+              <a:t>EFG</a:t>
+            </a:r>
+            <a:endParaRPr lang="zh-CN" altLang="en-US" dirty="0"/>
+          </a:p>
+        </p:txBody>
+      </p:sp>
+    </p:spTree>
+    <p:extLst>
+      <p:ext uri="{BB962C8B-B14F-4D97-AF65-F5344CB8AC3E}">
+        <p14:creationId xmlns:p14="http://schemas.microsoft.com/office/powerpoint/2010/main" val="1295834356"/>
+      </p:ext>
+    </p:extLst>
+  </p:cSld>
+  <p:clrMapOvr>
+    <a:masterClrMapping/>
+  </p:clrMapOvr>
+  <p:timing>
+    <p:tnLst>
+      <p:par>
+        <p:cTn id="1" dur="indefinite" restart="never" nodeType="tmRoot"/>
+      </p:par>
+    </p:tnLst>
+  </p:timing>
+</p:sld>
+</file>
+
+<file path=ppt/slides/slide13.xml><?xml version="1.0" encoding="utf-8"?>
+<p:sld xmlns:a="http://schemas.openxmlformats.org/drawingml/2006/main" xmlns:r="http://schemas.openxmlformats.org/officeDocument/2006/relationships" xmlns:p="http://schemas.openxmlformats.org/presentationml/2006/main">
+  <p:cSld>
+    <p:spTree>
+      <p:nvGrpSpPr>
+        <p:cNvPr id="1" name=""/>
+        <p:cNvGrpSpPr/>
+        <p:nvPr/>
+      </p:nvGrpSpPr>
+      <p:grpSpPr>
+        <a:xfrm>
+          <a:off x="0" y="0"/>
+          <a:ext cx="0" cy="0"/>
+          <a:chOff x="0" y="0"/>
+          <a:chExt cx="0" cy="0"/>
+        </a:xfrm>
+      </p:grpSpPr>
+      <p:sp>
+        <p:nvSpPr>
+          <p:cNvPr id="2" name="标题 1"/>
+          <p:cNvSpPr>
+            <a:spLocks noGrp="1"/>
+          </p:cNvSpPr>
+          <p:nvPr>
+            <p:ph type="title"/>
+          </p:nvPr>
+        </p:nvSpPr>
+        <p:spPr/>
+        <p:txBody>
+          <a:bodyPr/>
+          <a:lstStyle/>
+          <a:p>
             <a:endParaRPr lang="zh-CN" altLang="en-US" dirty="0"/>
           </a:p>
         </p:txBody>
@@ -4847,6 +6528,13 @@
   <p:clrMapOvr>
     <a:masterClrMapping/>
   </p:clrMapOvr>
+  <p:timing>
+    <p:tnLst>
+      <p:par>
+        <p:cTn id="1" dur="indefinite" restart="never" nodeType="tmRoot"/>
+      </p:par>
+    </p:tnLst>
+  </p:timing>
 </p:sld>
 </file>
 
@@ -5121,6 +6809,210 @@
 </file>
 
 <file path=ppt/slides/slide4.xml><?xml version="1.0" encoding="utf-8"?>
+<p:sld xmlns:a="http://schemas.openxmlformats.org/drawingml/2006/main" xmlns:r="http://schemas.openxmlformats.org/officeDocument/2006/relationships" xmlns:p="http://schemas.openxmlformats.org/presentationml/2006/main">
+  <p:cSld>
+    <p:spTree>
+      <p:nvGrpSpPr>
+        <p:cNvPr id="1" name=""/>
+        <p:cNvGrpSpPr/>
+        <p:nvPr/>
+      </p:nvGrpSpPr>
+      <p:grpSpPr>
+        <a:xfrm>
+          <a:off x="0" y="0"/>
+          <a:ext cx="0" cy="0"/>
+          <a:chOff x="0" y="0"/>
+          <a:chExt cx="0" cy="0"/>
+        </a:xfrm>
+      </p:grpSpPr>
+      <p:sp>
+        <p:nvSpPr>
+          <p:cNvPr id="2" name="标题 1"/>
+          <p:cNvSpPr>
+            <a:spLocks noGrp="1"/>
+          </p:cNvSpPr>
+          <p:nvPr>
+            <p:ph type="title"/>
+          </p:nvPr>
+        </p:nvSpPr>
+        <p:spPr/>
+        <p:txBody>
+          <a:bodyPr/>
+          <a:lstStyle/>
+          <a:p>
+            <a:r>
+              <a:rPr lang="zh-CN" altLang="en-US" dirty="0" smtClean="0"/>
+              <a:t>项目目标</a:t>
+            </a:r>
+            <a:endParaRPr lang="zh-CN" altLang="en-US" dirty="0"/>
+          </a:p>
+        </p:txBody>
+      </p:sp>
+      <p:sp>
+        <p:nvSpPr>
+          <p:cNvPr id="3" name="内容占位符 2"/>
+          <p:cNvSpPr>
+            <a:spLocks noGrp="1"/>
+          </p:cNvSpPr>
+          <p:nvPr>
+            <p:ph idx="1"/>
+          </p:nvPr>
+        </p:nvSpPr>
+        <p:spPr/>
+        <p:txBody>
+          <a:bodyPr/>
+          <a:lstStyle/>
+          <a:p>
+            <a:r>
+              <a:rPr lang="zh-CN" altLang="en-US" dirty="0"/>
+              <a:t>使用</a:t>
+            </a:r>
+            <a:r>
+              <a:rPr lang="zh-CN" altLang="en-US" dirty="0" smtClean="0"/>
+              <a:t>逆向工程从可执行</a:t>
+            </a:r>
+            <a:r>
+              <a:rPr lang="en-US" altLang="zh-CN" dirty="0" smtClean="0"/>
+              <a:t>APP</a:t>
+            </a:r>
+            <a:r>
+              <a:rPr lang="zh-CN" altLang="en-US" dirty="0" smtClean="0"/>
+              <a:t>直接自动生成测试用例</a:t>
+            </a:r>
+            <a:endParaRPr lang="zh-CN" altLang="en-US" dirty="0"/>
+          </a:p>
+        </p:txBody>
+      </p:sp>
+    </p:spTree>
+    <p:extLst>
+      <p:ext uri="{BB962C8B-B14F-4D97-AF65-F5344CB8AC3E}">
+        <p14:creationId xmlns:p14="http://schemas.microsoft.com/office/powerpoint/2010/main" val="784745007"/>
+      </p:ext>
+    </p:extLst>
+  </p:cSld>
+  <p:clrMapOvr>
+    <a:masterClrMapping/>
+  </p:clrMapOvr>
+  <p:timing>
+    <p:tnLst>
+      <p:par>
+        <p:cTn id="1" dur="indefinite" restart="never" nodeType="tmRoot"/>
+      </p:par>
+    </p:tnLst>
+  </p:timing>
+</p:sld>
+</file>
+
+<file path=ppt/slides/slide5.xml><?xml version="1.0" encoding="utf-8"?>
+<p:sld xmlns:a="http://schemas.openxmlformats.org/drawingml/2006/main" xmlns:r="http://schemas.openxmlformats.org/officeDocument/2006/relationships" xmlns:p="http://schemas.openxmlformats.org/presentationml/2006/main">
+  <p:cSld>
+    <p:spTree>
+      <p:nvGrpSpPr>
+        <p:cNvPr id="1" name=""/>
+        <p:cNvGrpSpPr/>
+        <p:nvPr/>
+      </p:nvGrpSpPr>
+      <p:grpSpPr>
+        <a:xfrm>
+          <a:off x="0" y="0"/>
+          <a:ext cx="0" cy="0"/>
+          <a:chOff x="0" y="0"/>
+          <a:chExt cx="0" cy="0"/>
+        </a:xfrm>
+      </p:grpSpPr>
+      <p:sp>
+        <p:nvSpPr>
+          <p:cNvPr id="2" name="标题 1"/>
+          <p:cNvSpPr>
+            <a:spLocks noGrp="1"/>
+          </p:cNvSpPr>
+          <p:nvPr>
+            <p:ph type="title"/>
+          </p:nvPr>
+        </p:nvSpPr>
+        <p:spPr/>
+        <p:txBody>
+          <a:bodyPr/>
+          <a:lstStyle/>
+          <a:p>
+            <a:r>
+              <a:rPr lang="zh-CN" altLang="en-US" dirty="0" smtClean="0"/>
+              <a:t>概要设计</a:t>
+            </a:r>
+            <a:endParaRPr lang="zh-CN" altLang="en-US" dirty="0"/>
+          </a:p>
+        </p:txBody>
+      </p:sp>
+      <p:sp>
+        <p:nvSpPr>
+          <p:cNvPr id="3" name="内容占位符 2"/>
+          <p:cNvSpPr>
+            <a:spLocks noGrp="1"/>
+          </p:cNvSpPr>
+          <p:nvPr>
+            <p:ph idx="1"/>
+          </p:nvPr>
+        </p:nvSpPr>
+        <p:spPr/>
+        <p:txBody>
+          <a:bodyPr/>
+          <a:lstStyle/>
+          <a:p>
+            <a:r>
+              <a:rPr lang="zh-CN" altLang="en-US" dirty="0" smtClean="0"/>
+              <a:t>两个模块</a:t>
+            </a:r>
+            <a:endParaRPr lang="en-US" altLang="zh-CN" dirty="0" smtClean="0"/>
+          </a:p>
+          <a:p>
+            <a:r>
+              <a:rPr lang="zh-CN" altLang="en-US" dirty="0" smtClean="0"/>
+              <a:t>抓取</a:t>
+            </a:r>
+            <a:r>
+              <a:rPr lang="en-US" altLang="zh-CN" dirty="0" smtClean="0"/>
+              <a:t>GUI</a:t>
+            </a:r>
+            <a:r>
+              <a:rPr lang="zh-CN" altLang="en-US" dirty="0" smtClean="0"/>
+              <a:t>结构</a:t>
+            </a:r>
+            <a:endParaRPr lang="en-US" altLang="zh-CN" dirty="0" smtClean="0"/>
+          </a:p>
+          <a:p>
+            <a:r>
+              <a:rPr lang="zh-CN" altLang="en-US" dirty="0" smtClean="0"/>
+              <a:t>生成</a:t>
+            </a:r>
+            <a:r>
+              <a:rPr lang="en-US" altLang="zh-CN" dirty="0" smtClean="0"/>
+              <a:t>EFG</a:t>
+            </a:r>
+            <a:endParaRPr lang="zh-CN" altLang="en-US" dirty="0"/>
+          </a:p>
+        </p:txBody>
+      </p:sp>
+    </p:spTree>
+    <p:extLst>
+      <p:ext uri="{BB962C8B-B14F-4D97-AF65-F5344CB8AC3E}">
+        <p14:creationId xmlns:p14="http://schemas.microsoft.com/office/powerpoint/2010/main" val="897701988"/>
+      </p:ext>
+    </p:extLst>
+  </p:cSld>
+  <p:clrMapOvr>
+    <a:masterClrMapping/>
+  </p:clrMapOvr>
+  <p:timing>
+    <p:tnLst>
+      <p:par>
+        <p:cTn id="1" dur="indefinite" restart="never" nodeType="tmRoot"/>
+      </p:par>
+    </p:tnLst>
+  </p:timing>
+</p:sld>
+</file>
+
+<file path=ppt/slides/slide6.xml><?xml version="1.0" encoding="utf-8"?>
 <p:sld xmlns:a="http://schemas.openxmlformats.org/drawingml/2006/main" xmlns:r="http://schemas.openxmlformats.org/officeDocument/2006/relationships" xmlns:p="http://schemas.openxmlformats.org/presentationml/2006/main">
   <p:cSld>
     <p:spTree>
@@ -5271,7 +7163,7 @@
 </p:sld>
 </file>
 
-<file path=ppt/slides/slide5.xml><?xml version="1.0" encoding="utf-8"?>
+<file path=ppt/slides/slide7.xml><?xml version="1.0" encoding="utf-8"?>
 <p:sld xmlns:a="http://schemas.openxmlformats.org/drawingml/2006/main" xmlns:r="http://schemas.openxmlformats.org/officeDocument/2006/relationships" xmlns:p="http://schemas.openxmlformats.org/presentationml/2006/main">
   <p:cSld>
     <p:spTree>
@@ -5419,7 +7311,7 @@
 </p:sld>
 </file>
 
-<file path=ppt/slides/slide6.xml><?xml version="1.0" encoding="utf-8"?>
+<file path=ppt/slides/slide8.xml><?xml version="1.0" encoding="utf-8"?>
 <p:sld xmlns:a="http://schemas.openxmlformats.org/drawingml/2006/main" xmlns:r="http://schemas.openxmlformats.org/officeDocument/2006/relationships" xmlns:p="http://schemas.openxmlformats.org/presentationml/2006/main">
   <p:cSld>
     <p:spTree>
@@ -5571,7 +7463,7 @@
 </p:sld>
 </file>
 
-<file path=ppt/slides/slide7.xml><?xml version="1.0" encoding="utf-8"?>
+<file path=ppt/slides/slide9.xml><?xml version="1.0" encoding="utf-8"?>
 <p:sld xmlns:a="http://schemas.openxmlformats.org/drawingml/2006/main" xmlns:r="http://schemas.openxmlformats.org/officeDocument/2006/relationships" xmlns:p="http://schemas.openxmlformats.org/presentationml/2006/main">
   <p:cSld>
     <p:spTree>
@@ -5704,1691 +7596,6 @@
 </p:sld>
 </file>
 
-<file path=ppt/slides/slide8.xml><?xml version="1.0" encoding="utf-8"?>
-<p:sld xmlns:a="http://schemas.openxmlformats.org/drawingml/2006/main" xmlns:r="http://schemas.openxmlformats.org/officeDocument/2006/relationships" xmlns:p="http://schemas.openxmlformats.org/presentationml/2006/main">
-  <p:cSld>
-    <p:spTree>
-      <p:nvGrpSpPr>
-        <p:cNvPr id="1" name=""/>
-        <p:cNvGrpSpPr/>
-        <p:nvPr/>
-      </p:nvGrpSpPr>
-      <p:grpSpPr>
-        <a:xfrm>
-          <a:off x="0" y="0"/>
-          <a:ext cx="0" cy="0"/>
-          <a:chOff x="0" y="0"/>
-          <a:chExt cx="0" cy="0"/>
-        </a:xfrm>
-      </p:grpSpPr>
-      <p:sp>
-        <p:nvSpPr>
-          <p:cNvPr id="2" name="标题 1"/>
-          <p:cNvSpPr>
-            <a:spLocks noGrp="1"/>
-          </p:cNvSpPr>
-          <p:nvPr>
-            <p:ph type="title"/>
-          </p:nvPr>
-        </p:nvSpPr>
-        <p:spPr/>
-        <p:txBody>
-          <a:bodyPr/>
-          <a:lstStyle/>
-          <a:p>
-            <a:r>
-              <a:rPr lang="en-US" altLang="zh-CN" dirty="0" smtClean="0"/>
-              <a:t>GUI</a:t>
-            </a:r>
-            <a:r>
-              <a:rPr lang="zh-CN" altLang="en-US" dirty="0" smtClean="0"/>
-              <a:t>抓取</a:t>
-            </a:r>
-            <a:endParaRPr lang="zh-CN" altLang="en-US" dirty="0"/>
-          </a:p>
-        </p:txBody>
-      </p:sp>
-      <p:graphicFrame>
-        <p:nvGraphicFramePr>
-          <p:cNvPr id="4" name="内容占位符 3"/>
-          <p:cNvGraphicFramePr>
-            <a:graphicFrameLocks noGrp="1"/>
-          </p:cNvGraphicFramePr>
-          <p:nvPr>
-            <p:ph idx="1"/>
-            <p:extLst>
-              <p:ext uri="{D42A27DB-BD31-4B8C-83A1-F6EECF244321}">
-                <p14:modId xmlns:p14="http://schemas.microsoft.com/office/powerpoint/2010/main" val="3454921424"/>
-              </p:ext>
-            </p:extLst>
-          </p:nvPr>
-        </p:nvGraphicFramePr>
-        <p:xfrm>
-          <a:off x="2195736" y="1484784"/>
-          <a:ext cx="6192688" cy="4876800"/>
-        </p:xfrm>
-        <a:graphic>
-          <a:graphicData uri="http://schemas.openxmlformats.org/drawingml/2006/table">
-            <a:tbl>
-              <a:tblPr firstRow="1" firstCol="1" bandRow="1">
-                <a:tableStyleId>{5C22544A-7EE6-4342-B048-85BDC9FD1C3A}</a:tableStyleId>
-              </a:tblPr>
-              <a:tblGrid>
-                <a:gridCol w="6192688"/>
-              </a:tblGrid>
-              <a:tr h="4752528">
-                <a:tc>
-                  <a:txBody>
-                    <a:bodyPr/>
-                    <a:lstStyle/>
-                    <a:p>
-                      <a:pPr algn="just">
-                        <a:spcAft>
-                          <a:spcPts val="0"/>
-                        </a:spcAft>
-                      </a:pPr>
-                      <a:r>
-                        <a:rPr lang="en-US" sz="1600" kern="100" dirty="0">
-                          <a:solidFill>
-                            <a:schemeClr val="tx1"/>
-                          </a:solidFill>
-                          <a:effectLst/>
-                        </a:rPr>
-                        <a:t>GUI/*GUI tree of application under test*/                                              </a:t>
-                      </a:r>
-                      <a:endParaRPr lang="zh-CN" sz="1600" kern="100" dirty="0">
-                        <a:solidFill>
-                          <a:schemeClr val="tx1"/>
-                        </a:solidFill>
-                        <a:effectLst/>
-                      </a:endParaRPr>
-                    </a:p>
-                    <a:p>
-                      <a:pPr marL="266700" indent="-266700" algn="just">
-                        <a:spcAft>
-                          <a:spcPts val="0"/>
-                        </a:spcAft>
-                      </a:pPr>
-                      <a:r>
-                        <a:rPr lang="en-US" sz="1600" kern="100" dirty="0">
-                          <a:solidFill>
-                            <a:schemeClr val="tx1"/>
-                          </a:solidFill>
-                          <a:effectLst/>
-                        </a:rPr>
-                        <a:t>PROCEDURE DFS-GUI(Application A)                               </a:t>
-                      </a:r>
-                      <a:r>
-                        <a:rPr lang="en-US" sz="1600" kern="100" dirty="0" smtClean="0">
-                          <a:solidFill>
-                            <a:schemeClr val="tx1"/>
-                          </a:solidFill>
-                          <a:effectLst/>
-                        </a:rPr>
-                        <a:t>                                1     </a:t>
-                      </a:r>
-                    </a:p>
-                    <a:p>
-                      <a:pPr marL="266700" indent="-266700" algn="just">
-                        <a:spcAft>
-                          <a:spcPts val="0"/>
-                        </a:spcAft>
-                      </a:pPr>
-                      <a:r>
-                        <a:rPr lang="en-US" sz="1600" kern="100" dirty="0" smtClean="0">
-                          <a:solidFill>
-                            <a:schemeClr val="tx1"/>
-                          </a:solidFill>
-                          <a:effectLst/>
-                        </a:rPr>
-                        <a:t>T=access-top-level-windows(A</a:t>
-                      </a:r>
-                      <a:r>
-                        <a:rPr lang="en-US" sz="1600" kern="100" dirty="0">
-                          <a:solidFill>
-                            <a:schemeClr val="tx1"/>
-                          </a:solidFill>
-                          <a:effectLst/>
-                        </a:rPr>
-                        <a:t>)                                             </a:t>
-                      </a:r>
-                      <a:r>
-                        <a:rPr lang="en-US" sz="1600" kern="100" dirty="0" smtClean="0">
-                          <a:solidFill>
-                            <a:schemeClr val="tx1"/>
-                          </a:solidFill>
-                          <a:effectLst/>
-                        </a:rPr>
-                        <a:t>                           2  </a:t>
-                      </a:r>
-                    </a:p>
-                    <a:p>
-                      <a:pPr marL="266700" indent="-266700" algn="just">
-                        <a:spcAft>
-                          <a:spcPts val="0"/>
-                        </a:spcAft>
-                      </a:pPr>
-                      <a:r>
-                        <a:rPr lang="en-US" sz="1600" kern="100" dirty="0" smtClean="0">
-                          <a:solidFill>
-                            <a:schemeClr val="tx1"/>
-                          </a:solidFill>
-                          <a:effectLst/>
-                        </a:rPr>
-                        <a:t>GUI=T                                                                                                                      3   </a:t>
-                      </a:r>
-                    </a:p>
-                    <a:p>
-                      <a:pPr marL="266700" indent="-266700" algn="just">
-                        <a:spcAft>
-                          <a:spcPts val="0"/>
-                        </a:spcAft>
-                      </a:pPr>
-                      <a:r>
-                        <a:rPr lang="en-US" sz="1600" kern="100" dirty="0" smtClean="0">
-                          <a:solidFill>
-                            <a:schemeClr val="tx1"/>
-                          </a:solidFill>
-                          <a:effectLst/>
-                        </a:rPr>
-                        <a:t>/*</a:t>
-                      </a:r>
-                      <a:r>
-                        <a:rPr lang="en-US" sz="1600" kern="100" dirty="0">
-                          <a:solidFill>
-                            <a:schemeClr val="tx1"/>
-                          </a:solidFill>
-                          <a:effectLst/>
-                        </a:rPr>
-                        <a:t>T is set of top-level windows in the application*/</a:t>
-                      </a:r>
-                      <a:endParaRPr lang="zh-CN" sz="1600" kern="100" dirty="0">
-                        <a:solidFill>
-                          <a:schemeClr val="tx1"/>
-                        </a:solidFill>
-                        <a:effectLst/>
-                      </a:endParaRPr>
-                    </a:p>
-                    <a:p>
-                      <a:pPr algn="just">
-                        <a:spcAft>
-                          <a:spcPts val="0"/>
-                        </a:spcAft>
-                      </a:pPr>
-                      <a:r>
-                        <a:rPr lang="en-US" sz="1600" kern="100" dirty="0">
-                          <a:solidFill>
-                            <a:schemeClr val="tx1"/>
-                          </a:solidFill>
-                          <a:effectLst/>
-                        </a:rPr>
-                        <a:t>    FORALL  t</a:t>
-                      </a:r>
-                      <a:r>
-                        <a:rPr lang="zh-CN" sz="1600" kern="100" dirty="0">
-                          <a:solidFill>
-                            <a:schemeClr val="tx1"/>
-                          </a:solidFill>
-                          <a:effectLst/>
-                        </a:rPr>
-                        <a:t>∈ </a:t>
-                      </a:r>
-                      <a:r>
-                        <a:rPr lang="en-US" sz="1600" kern="100" dirty="0">
-                          <a:solidFill>
-                            <a:schemeClr val="tx1"/>
-                          </a:solidFill>
-                          <a:effectLst/>
-                        </a:rPr>
-                        <a:t>T DO                                                    </a:t>
-                      </a:r>
-                      <a:r>
-                        <a:rPr lang="en-US" sz="1600" kern="100" dirty="0" smtClean="0">
-                          <a:solidFill>
-                            <a:schemeClr val="tx1"/>
-                          </a:solidFill>
-                          <a:effectLst/>
-                        </a:rPr>
-                        <a:t>                                         </a:t>
-                      </a:r>
-                      <a:r>
-                        <a:rPr lang="en-US" sz="1600" kern="100" dirty="0">
-                          <a:solidFill>
-                            <a:schemeClr val="tx1"/>
-                          </a:solidFill>
-                          <a:effectLst/>
-                        </a:rPr>
-                        <a:t>4</a:t>
-                      </a:r>
-                      <a:endParaRPr lang="zh-CN" sz="1600" kern="100" dirty="0">
-                        <a:solidFill>
-                          <a:schemeClr val="tx1"/>
-                        </a:solidFill>
-                        <a:effectLst/>
-                      </a:endParaRPr>
-                    </a:p>
-                    <a:p>
-                      <a:pPr indent="533400" algn="just">
-                        <a:spcAft>
-                          <a:spcPts val="0"/>
-                        </a:spcAft>
-                      </a:pPr>
-                      <a:r>
-                        <a:rPr lang="en-US" sz="1600" kern="100" dirty="0">
-                          <a:solidFill>
-                            <a:schemeClr val="tx1"/>
-                          </a:solidFill>
-                          <a:effectLst/>
-                        </a:rPr>
-                        <a:t>DFS-GUI-Recursive(t)                                            </a:t>
-                      </a:r>
-                      <a:r>
-                        <a:rPr lang="en-US" sz="1600" kern="100" dirty="0" smtClean="0">
-                          <a:solidFill>
-                            <a:schemeClr val="tx1"/>
-                          </a:solidFill>
-                          <a:effectLst/>
-                        </a:rPr>
-                        <a:t>                                   </a:t>
-                      </a:r>
-                      <a:r>
-                        <a:rPr lang="en-US" sz="1600" kern="100" dirty="0">
-                          <a:solidFill>
-                            <a:schemeClr val="tx1"/>
-                          </a:solidFill>
-                          <a:effectLst/>
-                        </a:rPr>
-                        <a:t>5</a:t>
-                      </a:r>
-                      <a:endParaRPr lang="zh-CN" sz="1600" kern="100" dirty="0">
-                        <a:solidFill>
-                          <a:schemeClr val="tx1"/>
-                        </a:solidFill>
-                        <a:effectLst/>
-                      </a:endParaRPr>
-                    </a:p>
-                    <a:p>
-                      <a:pPr indent="266700" algn="just">
-                        <a:spcAft>
-                          <a:spcPts val="0"/>
-                        </a:spcAft>
-                      </a:pPr>
-                      <a:r>
-                        <a:rPr lang="en-US" sz="1600" kern="100" dirty="0">
-                          <a:solidFill>
-                            <a:schemeClr val="tx1"/>
-                          </a:solidFill>
-                          <a:effectLst/>
-                        </a:rPr>
-                        <a:t> </a:t>
-                      </a:r>
-                      <a:endParaRPr lang="zh-CN" sz="1600" kern="100" dirty="0">
-                        <a:solidFill>
-                          <a:schemeClr val="tx1"/>
-                        </a:solidFill>
-                        <a:effectLst/>
-                      </a:endParaRPr>
-                    </a:p>
-                    <a:p>
-                      <a:pPr marL="266700" indent="-266700" algn="just">
-                        <a:spcAft>
-                          <a:spcPts val="0"/>
-                        </a:spcAft>
-                      </a:pPr>
-                      <a:r>
-                        <a:rPr lang="en-US" sz="1600" kern="100" dirty="0">
-                          <a:solidFill>
-                            <a:schemeClr val="tx1"/>
-                          </a:solidFill>
-                          <a:effectLst/>
-                        </a:rPr>
-                        <a:t>PROCEDURE </a:t>
-                      </a:r>
-                      <a:r>
-                        <a:rPr lang="en-US" sz="1600" kern="100" dirty="0" smtClean="0">
-                          <a:solidFill>
-                            <a:schemeClr val="tx1"/>
-                          </a:solidFill>
-                          <a:effectLst/>
-                        </a:rPr>
-                        <a:t>DFS-GUI-Recursive(Window g)                                 6     W=get-widget-list-and-properties(g</a:t>
-                      </a:r>
-                      <a:r>
-                        <a:rPr lang="en-US" sz="1600" kern="100" dirty="0">
-                          <a:solidFill>
-                            <a:schemeClr val="tx1"/>
-                          </a:solidFill>
-                          <a:effectLst/>
-                        </a:rPr>
-                        <a:t>)                                      </a:t>
-                      </a:r>
-                      <a:r>
-                        <a:rPr lang="en-US" sz="1600" kern="100" dirty="0" smtClean="0">
-                          <a:solidFill>
-                            <a:schemeClr val="tx1"/>
-                          </a:solidFill>
-                          <a:effectLst/>
-                        </a:rPr>
-                        <a:t>                   7    </a:t>
-                      </a:r>
-                      <a:endParaRPr lang="zh-CN" sz="1600" kern="100" dirty="0">
-                        <a:solidFill>
-                          <a:schemeClr val="tx1"/>
-                        </a:solidFill>
-                        <a:effectLst/>
-                      </a:endParaRPr>
-                    </a:p>
-                    <a:p>
-                      <a:pPr algn="just">
-                        <a:spcAft>
-                          <a:spcPts val="0"/>
-                        </a:spcAft>
-                      </a:pPr>
-                      <a:r>
-                        <a:rPr lang="en-US" sz="1600" kern="100" dirty="0">
-                          <a:solidFill>
-                            <a:schemeClr val="tx1"/>
-                          </a:solidFill>
-                          <a:effectLst/>
-                        </a:rPr>
-                        <a:t>    /*W is the set of all widgets in the window*/                                              </a:t>
-                      </a:r>
-                      <a:endParaRPr lang="zh-CN" sz="1600" kern="100" dirty="0">
-                        <a:solidFill>
-                          <a:schemeClr val="tx1"/>
-                        </a:solidFill>
-                        <a:effectLst/>
-                      </a:endParaRPr>
-                    </a:p>
-                    <a:p>
-                      <a:pPr algn="just">
-                        <a:spcAft>
-                          <a:spcPts val="0"/>
-                        </a:spcAft>
-                      </a:pPr>
-                      <a:r>
-                        <a:rPr lang="en-US" sz="1600" kern="100" dirty="0">
-                          <a:solidFill>
-                            <a:schemeClr val="tx1"/>
-                          </a:solidFill>
-                          <a:effectLst/>
-                        </a:rPr>
-                        <a:t>    E=identify-executable-widgets(W)                                          </a:t>
-                      </a:r>
-                      <a:r>
-                        <a:rPr lang="en-US" sz="1600" kern="100" dirty="0" smtClean="0">
-                          <a:solidFill>
-                            <a:schemeClr val="tx1"/>
-                          </a:solidFill>
-                          <a:effectLst/>
-                        </a:rPr>
-                        <a:t>                     </a:t>
-                      </a:r>
-                      <a:r>
-                        <a:rPr lang="en-US" sz="1600" kern="100" dirty="0">
-                          <a:solidFill>
-                            <a:schemeClr val="tx1"/>
-                          </a:solidFill>
-                          <a:effectLst/>
-                        </a:rPr>
-                        <a:t>8  </a:t>
-                      </a:r>
-                      <a:endParaRPr lang="zh-CN" sz="1600" kern="100" dirty="0">
-                        <a:solidFill>
-                          <a:schemeClr val="tx1"/>
-                        </a:solidFill>
-                        <a:effectLst/>
-                      </a:endParaRPr>
-                    </a:p>
-                    <a:p>
-                      <a:pPr algn="just">
-                        <a:spcAft>
-                          <a:spcPts val="0"/>
-                        </a:spcAft>
-                      </a:pPr>
-                      <a:r>
-                        <a:rPr lang="en-US" sz="1600" kern="100" dirty="0">
-                          <a:solidFill>
-                            <a:schemeClr val="tx1"/>
-                          </a:solidFill>
-                          <a:effectLst/>
-                        </a:rPr>
-                        <a:t>    /*From W identify executable widgets*/                                              </a:t>
-                      </a:r>
-                      <a:endParaRPr lang="zh-CN" sz="1600" kern="100" dirty="0">
-                        <a:solidFill>
-                          <a:schemeClr val="tx1"/>
-                        </a:solidFill>
-                        <a:effectLst/>
-                      </a:endParaRPr>
-                    </a:p>
-                    <a:p>
-                      <a:pPr algn="just">
-                        <a:spcAft>
-                          <a:spcPts val="0"/>
-                        </a:spcAft>
-                      </a:pPr>
-                      <a:r>
-                        <a:rPr lang="en-US" sz="1600" kern="100" dirty="0">
-                          <a:solidFill>
-                            <a:schemeClr val="tx1"/>
-                          </a:solidFill>
-                          <a:effectLst/>
-                        </a:rPr>
-                        <a:t>    FORALL  e </a:t>
-                      </a:r>
-                      <a:r>
-                        <a:rPr lang="zh-CN" sz="1600" kern="100" dirty="0">
-                          <a:solidFill>
-                            <a:schemeClr val="tx1"/>
-                          </a:solidFill>
-                          <a:effectLst/>
-                        </a:rPr>
-                        <a:t>∈ </a:t>
-                      </a:r>
-                      <a:r>
-                        <a:rPr lang="en-US" sz="1600" kern="100" dirty="0">
-                          <a:solidFill>
-                            <a:schemeClr val="tx1"/>
-                          </a:solidFill>
-                          <a:effectLst/>
-                        </a:rPr>
-                        <a:t>E  DO                                                    </a:t>
-                      </a:r>
-                      <a:r>
-                        <a:rPr lang="en-US" sz="1600" kern="100" dirty="0" smtClean="0">
-                          <a:solidFill>
-                            <a:schemeClr val="tx1"/>
-                          </a:solidFill>
-                          <a:effectLst/>
-                        </a:rPr>
-                        <a:t>                                      9</a:t>
-                      </a:r>
-                      <a:endParaRPr lang="zh-CN" sz="1600" kern="100" dirty="0">
-                        <a:solidFill>
-                          <a:schemeClr val="tx1"/>
-                        </a:solidFill>
-                        <a:effectLst/>
-                      </a:endParaRPr>
-                    </a:p>
-                    <a:p>
-                      <a:pPr indent="533400" algn="just">
-                        <a:spcAft>
-                          <a:spcPts val="0"/>
-                        </a:spcAft>
-                      </a:pPr>
-                      <a:r>
-                        <a:rPr lang="en-US" sz="1600" kern="100" dirty="0">
-                          <a:solidFill>
-                            <a:schemeClr val="tx1"/>
-                          </a:solidFill>
-                          <a:effectLst/>
-                        </a:rPr>
-                        <a:t>Execute-widget(e)                                                    </a:t>
-                      </a:r>
-                      <a:r>
-                        <a:rPr lang="en-US" sz="1600" kern="100" dirty="0" smtClean="0">
-                          <a:solidFill>
-                            <a:schemeClr val="tx1"/>
-                          </a:solidFill>
-                          <a:effectLst/>
-                        </a:rPr>
-                        <a:t>                              10</a:t>
-                      </a:r>
-                      <a:endParaRPr lang="zh-CN" sz="1600" kern="100" dirty="0">
-                        <a:solidFill>
-                          <a:schemeClr val="tx1"/>
-                        </a:solidFill>
-                        <a:effectLst/>
-                      </a:endParaRPr>
-                    </a:p>
-                    <a:p>
-                      <a:pPr indent="533400" algn="just">
-                        <a:spcAft>
-                          <a:spcPts val="0"/>
-                        </a:spcAft>
-                      </a:pPr>
-                      <a:r>
-                        <a:rPr lang="en-US" sz="1600" kern="100" dirty="0">
-                          <a:solidFill>
-                            <a:schemeClr val="tx1"/>
-                          </a:solidFill>
-                          <a:effectLst/>
-                        </a:rPr>
-                        <a:t>/*Execute the widget e*/                                               </a:t>
-                      </a:r>
-                      <a:endParaRPr lang="zh-CN" sz="1600" kern="100" dirty="0">
-                        <a:solidFill>
-                          <a:schemeClr val="tx1"/>
-                        </a:solidFill>
-                        <a:effectLst/>
-                      </a:endParaRPr>
-                    </a:p>
-                    <a:p>
-                      <a:pPr indent="533400" algn="just">
-                        <a:spcAft>
-                          <a:spcPts val="0"/>
-                        </a:spcAft>
-                      </a:pPr>
-                      <a:r>
-                        <a:rPr lang="en-US" sz="1600" kern="100" dirty="0">
-                          <a:solidFill>
-                            <a:schemeClr val="tx1"/>
-                          </a:solidFill>
-                          <a:effectLst/>
-                        </a:rPr>
-                        <a:t>C=get-invoked-</a:t>
-                      </a:r>
-                      <a:r>
-                        <a:rPr lang="en-US" sz="1600" kern="100" dirty="0" err="1">
-                          <a:solidFill>
-                            <a:schemeClr val="tx1"/>
-                          </a:solidFill>
-                          <a:effectLst/>
-                        </a:rPr>
-                        <a:t>gui</a:t>
-                      </a:r>
-                      <a:r>
-                        <a:rPr lang="en-US" sz="1600" kern="100" dirty="0">
-                          <a:solidFill>
-                            <a:schemeClr val="tx1"/>
-                          </a:solidFill>
-                          <a:effectLst/>
-                        </a:rPr>
-                        <a:t>-windows(e)                                       </a:t>
-                      </a:r>
-                      <a:r>
-                        <a:rPr lang="en-US" sz="1600" kern="100" dirty="0" smtClean="0">
-                          <a:solidFill>
-                            <a:schemeClr val="tx1"/>
-                          </a:solidFill>
-                          <a:effectLst/>
-                        </a:rPr>
-                        <a:t>                    11  </a:t>
-                      </a:r>
-                      <a:endParaRPr lang="zh-CN" sz="1600" kern="100" dirty="0">
-                        <a:solidFill>
-                          <a:schemeClr val="tx1"/>
-                        </a:solidFill>
-                        <a:effectLst/>
-                      </a:endParaRPr>
-                    </a:p>
-                    <a:p>
-                      <a:pPr indent="533400" algn="just">
-                        <a:spcAft>
-                          <a:spcPts val="0"/>
-                        </a:spcAft>
-                      </a:pPr>
-                      <a:r>
-                        <a:rPr lang="en-US" sz="1600" kern="100" dirty="0">
-                          <a:solidFill>
-                            <a:schemeClr val="tx1"/>
-                          </a:solidFill>
-                          <a:effectLst/>
-                        </a:rPr>
-                        <a:t>GUI=GUI </a:t>
-                      </a:r>
-                      <a:r>
-                        <a:rPr lang="zh-CN" sz="1600" kern="100" dirty="0">
-                          <a:solidFill>
-                            <a:schemeClr val="tx1"/>
-                          </a:solidFill>
-                          <a:effectLst/>
-                        </a:rPr>
-                        <a:t>∪ </a:t>
-                      </a:r>
-                      <a:r>
-                        <a:rPr lang="en-US" sz="1600" kern="100" dirty="0">
-                          <a:solidFill>
-                            <a:schemeClr val="tx1"/>
-                          </a:solidFill>
-                          <a:effectLst/>
-                        </a:rPr>
-                        <a:t>g                                                      </a:t>
-                      </a:r>
-                      <a:r>
-                        <a:rPr lang="en-US" sz="1600" kern="100" dirty="0" smtClean="0">
-                          <a:solidFill>
-                            <a:schemeClr val="tx1"/>
-                          </a:solidFill>
-                          <a:effectLst/>
-                        </a:rPr>
-                        <a:t>                                    </a:t>
-                      </a:r>
-                      <a:r>
-                        <a:rPr lang="en-US" sz="1600" kern="100" dirty="0">
-                          <a:solidFill>
-                            <a:schemeClr val="tx1"/>
-                          </a:solidFill>
-                          <a:effectLst/>
-                        </a:rPr>
-                        <a:t>12</a:t>
-                      </a:r>
-                      <a:endParaRPr lang="zh-CN" sz="1600" kern="100" dirty="0">
-                        <a:solidFill>
-                          <a:schemeClr val="tx1"/>
-                        </a:solidFill>
-                        <a:effectLst/>
-                      </a:endParaRPr>
-                    </a:p>
-                    <a:p>
-                      <a:pPr indent="533400" algn="just">
-                        <a:spcAft>
-                          <a:spcPts val="0"/>
-                        </a:spcAft>
-                      </a:pPr>
-                      <a:r>
-                        <a:rPr lang="en-US" sz="1600" kern="100" dirty="0">
-                          <a:solidFill>
-                            <a:schemeClr val="tx1"/>
-                          </a:solidFill>
-                          <a:effectLst/>
-                        </a:rPr>
-                        <a:t>FORALL  c</a:t>
-                      </a:r>
-                      <a:r>
-                        <a:rPr lang="zh-CN" sz="1600" kern="100" dirty="0">
-                          <a:solidFill>
-                            <a:schemeClr val="tx1"/>
-                          </a:solidFill>
-                          <a:effectLst/>
-                        </a:rPr>
-                        <a:t>∈</a:t>
-                      </a:r>
-                      <a:r>
-                        <a:rPr lang="en-US" sz="1600" kern="100" dirty="0">
-                          <a:solidFill>
-                            <a:schemeClr val="tx1"/>
-                          </a:solidFill>
-                          <a:effectLst/>
-                        </a:rPr>
-                        <a:t>C  DO                                                </a:t>
-                      </a:r>
-                      <a:r>
-                        <a:rPr lang="en-US" sz="1600" kern="100" dirty="0" smtClean="0">
-                          <a:solidFill>
-                            <a:schemeClr val="tx1"/>
-                          </a:solidFill>
-                          <a:effectLst/>
-                        </a:rPr>
-                        <a:t>                                  13</a:t>
-                      </a:r>
-                      <a:endParaRPr lang="zh-CN" sz="1600" kern="100" dirty="0">
-                        <a:solidFill>
-                          <a:schemeClr val="tx1"/>
-                        </a:solidFill>
-                        <a:effectLst/>
-                      </a:endParaRPr>
-                    </a:p>
-                    <a:p>
-                      <a:pPr indent="266700" algn="just">
-                        <a:spcAft>
-                          <a:spcPts val="0"/>
-                        </a:spcAft>
-                      </a:pPr>
-                      <a:r>
-                        <a:rPr lang="en-US" sz="1600" kern="100" dirty="0">
-                          <a:solidFill>
-                            <a:schemeClr val="tx1"/>
-                          </a:solidFill>
-                          <a:effectLst/>
-                        </a:rPr>
-                        <a:t>        DFS-GUI-Recursive(c)                                           </a:t>
-                      </a:r>
-                      <a:r>
-                        <a:rPr lang="en-US" sz="1600" kern="100" dirty="0" smtClean="0">
-                          <a:solidFill>
-                            <a:schemeClr val="tx1"/>
-                          </a:solidFill>
-                          <a:effectLst/>
-                        </a:rPr>
-                        <a:t>                              </a:t>
-                      </a:r>
-                      <a:r>
-                        <a:rPr lang="en-US" sz="1600" kern="100" dirty="0">
-                          <a:solidFill>
-                            <a:schemeClr val="tx1"/>
-                          </a:solidFill>
-                          <a:effectLst/>
-                        </a:rPr>
-                        <a:t>14</a:t>
-                      </a:r>
-                      <a:endParaRPr lang="zh-CN" sz="1600" kern="100" dirty="0">
-                        <a:solidFill>
-                          <a:schemeClr val="tx1"/>
-                        </a:solidFill>
-                        <a:effectLst/>
-                        <a:latin typeface="Times New Roman"/>
-                        <a:ea typeface="宋体"/>
-                      </a:endParaRPr>
-                    </a:p>
-                  </a:txBody>
-                  <a:tcPr marL="68580" marR="68580" marT="0" marB="0">
-                    <a:solidFill>
-                      <a:schemeClr val="bg1"/>
-                    </a:solidFill>
-                  </a:tcPr>
-                </a:tc>
-              </a:tr>
-            </a:tbl>
-          </a:graphicData>
-        </a:graphic>
-      </p:graphicFrame>
-    </p:spTree>
-    <p:extLst>
-      <p:ext uri="{BB962C8B-B14F-4D97-AF65-F5344CB8AC3E}">
-        <p14:creationId xmlns:p14="http://schemas.microsoft.com/office/powerpoint/2010/main" val="718678925"/>
-      </p:ext>
-    </p:extLst>
-  </p:cSld>
-  <p:clrMapOvr>
-    <a:masterClrMapping/>
-  </p:clrMapOvr>
-  <p:timing>
-    <p:tnLst>
-      <p:par>
-        <p:cTn id="1" dur="indefinite" restart="never" nodeType="tmRoot"/>
-      </p:par>
-    </p:tnLst>
-  </p:timing>
-</p:sld>
-</file>
-
-<file path=ppt/slides/slide9.xml><?xml version="1.0" encoding="utf-8"?>
-<p:sld xmlns:a="http://schemas.openxmlformats.org/drawingml/2006/main" xmlns:r="http://schemas.openxmlformats.org/officeDocument/2006/relationships" xmlns:p="http://schemas.openxmlformats.org/presentationml/2006/main">
-  <p:cSld>
-    <p:spTree>
-      <p:nvGrpSpPr>
-        <p:cNvPr id="1" name=""/>
-        <p:cNvGrpSpPr/>
-        <p:nvPr/>
-      </p:nvGrpSpPr>
-      <p:grpSpPr>
-        <a:xfrm>
-          <a:off x="0" y="0"/>
-          <a:ext cx="0" cy="0"/>
-          <a:chOff x="0" y="0"/>
-          <a:chExt cx="0" cy="0"/>
-        </a:xfrm>
-      </p:grpSpPr>
-      <p:sp>
-        <p:nvSpPr>
-          <p:cNvPr id="2" name="标题 1"/>
-          <p:cNvSpPr>
-            <a:spLocks noGrp="1"/>
-          </p:cNvSpPr>
-          <p:nvPr>
-            <p:ph type="title"/>
-          </p:nvPr>
-        </p:nvSpPr>
-        <p:spPr/>
-        <p:txBody>
-          <a:bodyPr/>
-          <a:lstStyle/>
-          <a:p>
-            <a:r>
-              <a:rPr lang="en-US" altLang="zh-CN" dirty="0" smtClean="0"/>
-              <a:t>EFG</a:t>
-            </a:r>
-            <a:r>
-              <a:rPr lang="zh-CN" altLang="en-US" dirty="0" smtClean="0"/>
-              <a:t>生成</a:t>
-            </a:r>
-            <a:endParaRPr lang="zh-CN" altLang="en-US" dirty="0"/>
-          </a:p>
-        </p:txBody>
-      </p:sp>
-      <p:graphicFrame>
-        <p:nvGraphicFramePr>
-          <p:cNvPr id="4" name="内容占位符 3"/>
-          <p:cNvGraphicFramePr>
-            <a:graphicFrameLocks noGrp="1"/>
-          </p:cNvGraphicFramePr>
-          <p:nvPr>
-            <p:ph idx="1"/>
-            <p:extLst>
-              <p:ext uri="{D42A27DB-BD31-4B8C-83A1-F6EECF244321}">
-                <p14:modId xmlns:p14="http://schemas.microsoft.com/office/powerpoint/2010/main" val="2288516903"/>
-              </p:ext>
-            </p:extLst>
-          </p:nvPr>
-        </p:nvGraphicFramePr>
-        <p:xfrm>
-          <a:off x="2339752" y="1556792"/>
-          <a:ext cx="6120680" cy="4752528"/>
-        </p:xfrm>
-        <a:graphic>
-          <a:graphicData uri="http://schemas.openxmlformats.org/drawingml/2006/table">
-            <a:tbl>
-              <a:tblPr firstRow="1" firstCol="1" bandRow="1">
-                <a:tableStyleId>{5C22544A-7EE6-4342-B048-85BDC9FD1C3A}</a:tableStyleId>
-              </a:tblPr>
-              <a:tblGrid>
-                <a:gridCol w="6120680"/>
-              </a:tblGrid>
-              <a:tr h="4752528">
-                <a:tc>
-                  <a:txBody>
-                    <a:bodyPr/>
-                    <a:lstStyle/>
-                    <a:p>
-                      <a:pPr algn="just" defTabSz="914400" rtl="0" eaLnBrk="1" latinLnBrk="0" hangingPunct="1">
-                        <a:spcAft>
-                          <a:spcPts val="0"/>
-                        </a:spcAft>
-                      </a:pPr>
-                      <a:r>
-                        <a:rPr lang="en-US" sz="1800" b="1" kern="100" dirty="0">
-                          <a:solidFill>
-                            <a:schemeClr val="tx1"/>
-                          </a:solidFill>
-                          <a:effectLst/>
-                          <a:latin typeface="Arial" pitchFamily="34" charset="0"/>
-                          <a:ea typeface="Arial Unicode MS" pitchFamily="34" charset="-122"/>
-                          <a:cs typeface="Arial" pitchFamily="34" charset="0"/>
-                        </a:rPr>
-                        <a:t>ALGORITHM</a:t>
-                      </a:r>
-                      <a:r>
-                        <a:rPr lang="zh-CN" sz="1800" b="1" kern="100" dirty="0" smtClean="0">
-                          <a:solidFill>
-                            <a:schemeClr val="tx1"/>
-                          </a:solidFill>
-                          <a:effectLst/>
-                          <a:latin typeface="Arial" pitchFamily="34" charset="0"/>
-                          <a:ea typeface="Arial Unicode MS" pitchFamily="34" charset="-122"/>
-                          <a:cs typeface="Arial" pitchFamily="34" charset="0"/>
-                        </a:rPr>
-                        <a:t>：</a:t>
-                      </a:r>
-                      <a:endParaRPr lang="en-US" altLang="zh-CN" sz="1800" b="1" kern="100" dirty="0" smtClean="0">
-                        <a:solidFill>
-                          <a:schemeClr val="tx1"/>
-                        </a:solidFill>
-                        <a:effectLst/>
-                        <a:latin typeface="Arial" pitchFamily="34" charset="0"/>
-                        <a:ea typeface="Arial Unicode MS" pitchFamily="34" charset="-122"/>
-                        <a:cs typeface="Arial" pitchFamily="34" charset="0"/>
-                      </a:endParaRPr>
-                    </a:p>
-                    <a:p>
-                      <a:pPr algn="just" defTabSz="914400" rtl="0" eaLnBrk="1" latinLnBrk="0" hangingPunct="1">
-                        <a:spcAft>
-                          <a:spcPts val="0"/>
-                        </a:spcAft>
-                      </a:pPr>
-                      <a:r>
-                        <a:rPr lang="en-US" sz="1800" b="1" kern="100" dirty="0" err="1" smtClean="0">
-                          <a:solidFill>
-                            <a:schemeClr val="tx1"/>
-                          </a:solidFill>
-                          <a:effectLst/>
-                          <a:latin typeface="Arial" pitchFamily="34" charset="0"/>
-                          <a:ea typeface="Arial Unicode MS" pitchFamily="34" charset="-122"/>
-                          <a:cs typeface="Arial" pitchFamily="34" charset="0"/>
-                        </a:rPr>
-                        <a:t>GetFollows</a:t>
-                      </a:r>
-                      <a:r>
-                        <a:rPr lang="en-US" sz="1800" b="1" kern="100" dirty="0" smtClean="0">
-                          <a:solidFill>
-                            <a:schemeClr val="tx1"/>
-                          </a:solidFill>
-                          <a:effectLst/>
-                          <a:latin typeface="Arial" pitchFamily="34" charset="0"/>
-                          <a:ea typeface="Arial Unicode MS" pitchFamily="34" charset="-122"/>
-                          <a:cs typeface="Arial" pitchFamily="34" charset="0"/>
-                        </a:rPr>
-                        <a:t>(v</a:t>
-                      </a:r>
-                      <a:r>
-                        <a:rPr lang="en-US" sz="1800" b="1" kern="100" dirty="0">
-                          <a:solidFill>
-                            <a:schemeClr val="tx1"/>
-                          </a:solidFill>
-                          <a:effectLst/>
-                          <a:latin typeface="Arial" pitchFamily="34" charset="0"/>
-                          <a:ea typeface="Arial Unicode MS" pitchFamily="34" charset="-122"/>
-                          <a:cs typeface="Arial" pitchFamily="34" charset="0"/>
-                        </a:rPr>
-                        <a:t>: Vertex or Event){</a:t>
-                      </a:r>
-                      <a:endParaRPr lang="zh-CN" sz="1800" b="1" kern="100" dirty="0">
-                        <a:solidFill>
-                          <a:schemeClr val="tx1"/>
-                        </a:solidFill>
-                        <a:effectLst/>
-                        <a:latin typeface="Arial" pitchFamily="34" charset="0"/>
-                        <a:ea typeface="Arial Unicode MS" pitchFamily="34" charset="-122"/>
-                        <a:cs typeface="Arial" pitchFamily="34" charset="0"/>
-                      </a:endParaRPr>
-                    </a:p>
-                    <a:p>
-                      <a:pPr algn="just" defTabSz="914400" rtl="0" eaLnBrk="1" latinLnBrk="0" hangingPunct="1">
-                        <a:spcAft>
-                          <a:spcPts val="0"/>
-                        </a:spcAft>
-                      </a:pPr>
-                      <a:r>
-                        <a:rPr lang="en-US" sz="1800" b="1" kern="100" dirty="0">
-                          <a:solidFill>
-                            <a:schemeClr val="tx1"/>
-                          </a:solidFill>
-                          <a:effectLst/>
-                          <a:latin typeface="Arial" pitchFamily="34" charset="0"/>
-                          <a:ea typeface="Arial Unicode MS" pitchFamily="34" charset="-122"/>
-                          <a:cs typeface="Arial" pitchFamily="34" charset="0"/>
-                        </a:rPr>
-                        <a:t>IF </a:t>
-                      </a:r>
-                      <a:r>
-                        <a:rPr lang="en-US" sz="1800" b="1" kern="100" dirty="0" err="1">
-                          <a:solidFill>
-                            <a:schemeClr val="tx1"/>
-                          </a:solidFill>
-                          <a:effectLst/>
-                          <a:latin typeface="Arial" pitchFamily="34" charset="0"/>
-                          <a:ea typeface="Arial Unicode MS" pitchFamily="34" charset="-122"/>
-                          <a:cs typeface="Arial" pitchFamily="34" charset="0"/>
-                        </a:rPr>
-                        <a:t>EventType</a:t>
-                      </a:r>
-                      <a:r>
-                        <a:rPr lang="en-US" sz="1800" b="1" kern="100" dirty="0">
-                          <a:solidFill>
-                            <a:schemeClr val="tx1"/>
-                          </a:solidFill>
-                          <a:effectLst/>
-                          <a:latin typeface="Arial" pitchFamily="34" charset="0"/>
-                          <a:ea typeface="Arial Unicode MS" pitchFamily="34" charset="-122"/>
-                          <a:cs typeface="Arial" pitchFamily="34" charset="0"/>
-                        </a:rPr>
-                        <a:t>(v)=menu-open</a:t>
-                      </a:r>
-                      <a:endParaRPr lang="zh-CN" sz="1800" b="1" kern="100" dirty="0">
-                        <a:solidFill>
-                          <a:schemeClr val="tx1"/>
-                        </a:solidFill>
-                        <a:effectLst/>
-                        <a:latin typeface="Arial" pitchFamily="34" charset="0"/>
-                        <a:ea typeface="Arial Unicode MS" pitchFamily="34" charset="-122"/>
-                        <a:cs typeface="Arial" pitchFamily="34" charset="0"/>
-                      </a:endParaRPr>
-                    </a:p>
-                    <a:p>
-                      <a:pPr algn="just" defTabSz="914400" rtl="0" eaLnBrk="1" latinLnBrk="0" hangingPunct="1">
-                        <a:spcAft>
-                          <a:spcPts val="0"/>
-                        </a:spcAft>
-                      </a:pPr>
-                      <a:r>
-                        <a:rPr lang="en-US" sz="1800" b="1" kern="100" dirty="0">
-                          <a:solidFill>
-                            <a:schemeClr val="tx1"/>
-                          </a:solidFill>
-                          <a:effectLst/>
-                          <a:latin typeface="Arial" pitchFamily="34" charset="0"/>
-                          <a:ea typeface="Arial Unicode MS" pitchFamily="34" charset="-122"/>
-                          <a:cs typeface="Arial" pitchFamily="34" charset="0"/>
-                        </a:rPr>
-                        <a:t>        IF v</a:t>
-                      </a:r>
-                      <a:r>
-                        <a:rPr lang="zh-CN" sz="1800" b="1" kern="100" dirty="0">
-                          <a:solidFill>
-                            <a:schemeClr val="tx1"/>
-                          </a:solidFill>
-                          <a:effectLst/>
-                          <a:latin typeface="Arial" pitchFamily="34" charset="0"/>
-                          <a:ea typeface="Arial Unicode MS" pitchFamily="34" charset="-122"/>
-                          <a:cs typeface="Arial" pitchFamily="34" charset="0"/>
-                        </a:rPr>
-                        <a:t>∈</a:t>
-                      </a:r>
-                      <a:r>
-                        <a:rPr lang="en-US" sz="1800" b="1" kern="100" dirty="0">
-                          <a:solidFill>
-                            <a:schemeClr val="tx1"/>
-                          </a:solidFill>
-                          <a:effectLst/>
-                          <a:latin typeface="Arial" pitchFamily="34" charset="0"/>
-                          <a:ea typeface="Arial Unicode MS" pitchFamily="34" charset="-122"/>
-                          <a:cs typeface="Arial" pitchFamily="34" charset="0"/>
-                        </a:rPr>
-                        <a:t>B of newly invoked modal dialogue</a:t>
-                      </a:r>
-                      <a:endParaRPr lang="zh-CN" sz="1800" b="1" kern="100" dirty="0">
-                        <a:solidFill>
-                          <a:schemeClr val="tx1"/>
-                        </a:solidFill>
-                        <a:effectLst/>
-                        <a:latin typeface="Arial" pitchFamily="34" charset="0"/>
-                        <a:ea typeface="Arial Unicode MS" pitchFamily="34" charset="-122"/>
-                        <a:cs typeface="Arial" pitchFamily="34" charset="0"/>
-                      </a:endParaRPr>
-                    </a:p>
-                    <a:p>
-                      <a:pPr algn="just" defTabSz="914400" rtl="0" eaLnBrk="1" latinLnBrk="0" hangingPunct="1">
-                        <a:spcAft>
-                          <a:spcPts val="0"/>
-                        </a:spcAft>
-                      </a:pPr>
-                      <a:r>
-                        <a:rPr lang="en-US" sz="1800" b="1" kern="100" dirty="0">
-                          <a:solidFill>
-                            <a:schemeClr val="tx1"/>
-                          </a:solidFill>
-                          <a:effectLst/>
-                          <a:latin typeface="Arial" pitchFamily="34" charset="0"/>
-                          <a:ea typeface="Arial Unicode MS" pitchFamily="34" charset="-122"/>
-                          <a:cs typeface="Arial" pitchFamily="34" charset="0"/>
-                        </a:rPr>
-                        <a:t>               return (</a:t>
-                      </a:r>
-                      <a:r>
-                        <a:rPr lang="en-US" sz="1800" b="1" kern="100" dirty="0" err="1">
-                          <a:solidFill>
-                            <a:schemeClr val="tx1"/>
-                          </a:solidFill>
-                          <a:effectLst/>
-                          <a:latin typeface="Arial" pitchFamily="34" charset="0"/>
-                          <a:ea typeface="Arial Unicode MS" pitchFamily="34" charset="-122"/>
-                          <a:cs typeface="Arial" pitchFamily="34" charset="0"/>
-                        </a:rPr>
-                        <a:t>MenuChoices</a:t>
-                      </a:r>
-                      <a:r>
-                        <a:rPr lang="en-US" sz="1800" b="1" kern="100" dirty="0">
-                          <a:solidFill>
-                            <a:schemeClr val="tx1"/>
-                          </a:solidFill>
-                          <a:effectLst/>
-                          <a:latin typeface="Arial" pitchFamily="34" charset="0"/>
-                          <a:ea typeface="Arial Unicode MS" pitchFamily="34" charset="-122"/>
-                          <a:cs typeface="Arial" pitchFamily="34" charset="0"/>
-                        </a:rPr>
-                        <a:t>(v)</a:t>
-                      </a:r>
-                      <a:r>
-                        <a:rPr lang="zh-CN" sz="1800" b="1" kern="100" dirty="0">
-                          <a:solidFill>
-                            <a:schemeClr val="tx1"/>
-                          </a:solidFill>
-                          <a:effectLst/>
-                          <a:latin typeface="Arial" pitchFamily="34" charset="0"/>
-                          <a:ea typeface="Arial Unicode MS" pitchFamily="34" charset="-122"/>
-                          <a:cs typeface="Arial" pitchFamily="34" charset="0"/>
-                        </a:rPr>
-                        <a:t>∪</a:t>
-                      </a:r>
-                      <a:r>
-                        <a:rPr lang="en-US" sz="1800" b="1" kern="100" dirty="0">
-                          <a:solidFill>
-                            <a:schemeClr val="tx1"/>
-                          </a:solidFill>
-                          <a:effectLst/>
-                          <a:latin typeface="Arial" pitchFamily="34" charset="0"/>
-                          <a:ea typeface="Arial Unicode MS" pitchFamily="34" charset="-122"/>
-                          <a:cs typeface="Arial" pitchFamily="34" charset="0"/>
-                        </a:rPr>
-                        <a:t>{v}</a:t>
-                      </a:r>
-                      <a:r>
-                        <a:rPr lang="zh-CN" sz="1800" b="1" kern="100" dirty="0">
-                          <a:solidFill>
-                            <a:schemeClr val="tx1"/>
-                          </a:solidFill>
-                          <a:effectLst/>
-                          <a:latin typeface="Arial" pitchFamily="34" charset="0"/>
-                          <a:ea typeface="Arial Unicode MS" pitchFamily="34" charset="-122"/>
-                          <a:cs typeface="Arial" pitchFamily="34" charset="0"/>
-                        </a:rPr>
-                        <a:t>∪</a:t>
-                      </a:r>
-                      <a:r>
-                        <a:rPr lang="en-US" sz="1800" b="1" kern="100" dirty="0">
-                          <a:solidFill>
-                            <a:schemeClr val="tx1"/>
-                          </a:solidFill>
-                          <a:effectLst/>
-                          <a:latin typeface="Arial" pitchFamily="34" charset="0"/>
-                          <a:ea typeface="Arial Unicode MS" pitchFamily="34" charset="-122"/>
-                          <a:cs typeface="Arial" pitchFamily="34" charset="0"/>
-                        </a:rPr>
-                        <a:t>B)</a:t>
-                      </a:r>
-                      <a:endParaRPr lang="zh-CN" sz="1800" b="1" kern="100" dirty="0">
-                        <a:solidFill>
-                          <a:schemeClr val="tx1"/>
-                        </a:solidFill>
-                        <a:effectLst/>
-                        <a:latin typeface="Arial" pitchFamily="34" charset="0"/>
-                        <a:ea typeface="Arial Unicode MS" pitchFamily="34" charset="-122"/>
-                        <a:cs typeface="Arial" pitchFamily="34" charset="0"/>
-                      </a:endParaRPr>
-                    </a:p>
-                    <a:p>
-                      <a:pPr algn="just" defTabSz="914400" rtl="0" eaLnBrk="1" latinLnBrk="0" hangingPunct="1">
-                        <a:spcAft>
-                          <a:spcPts val="0"/>
-                        </a:spcAft>
-                      </a:pPr>
-                      <a:r>
-                        <a:rPr lang="en-US" sz="1800" b="1" kern="100" dirty="0">
-                          <a:solidFill>
-                            <a:schemeClr val="tx1"/>
-                          </a:solidFill>
-                          <a:effectLst/>
-                          <a:latin typeface="Arial" pitchFamily="34" charset="0"/>
-                          <a:ea typeface="Arial Unicode MS" pitchFamily="34" charset="-122"/>
-                          <a:cs typeface="Arial" pitchFamily="34" charset="0"/>
-                        </a:rPr>
-                        <a:t>        ELSE</a:t>
-                      </a:r>
-                      <a:endParaRPr lang="zh-CN" sz="1800" b="1" kern="100" dirty="0">
-                        <a:solidFill>
-                          <a:schemeClr val="tx1"/>
-                        </a:solidFill>
-                        <a:effectLst/>
-                        <a:latin typeface="Arial" pitchFamily="34" charset="0"/>
-                        <a:ea typeface="Arial Unicode MS" pitchFamily="34" charset="-122"/>
-                        <a:cs typeface="Arial" pitchFamily="34" charset="0"/>
-                      </a:endParaRPr>
-                    </a:p>
-                    <a:p>
-                      <a:pPr algn="just" defTabSz="914400" rtl="0" eaLnBrk="1" latinLnBrk="0" hangingPunct="1">
-                        <a:spcAft>
-                          <a:spcPts val="0"/>
-                        </a:spcAft>
-                      </a:pPr>
-                      <a:r>
-                        <a:rPr lang="en-US" sz="1800" b="1" kern="100" dirty="0">
-                          <a:solidFill>
-                            <a:schemeClr val="tx1"/>
-                          </a:solidFill>
-                          <a:effectLst/>
-                          <a:latin typeface="Arial" pitchFamily="34" charset="0"/>
-                          <a:ea typeface="Arial Unicode MS" pitchFamily="34" charset="-122"/>
-                          <a:cs typeface="Arial" pitchFamily="34" charset="0"/>
-                        </a:rPr>
-                        <a:t>                return  </a:t>
-                      </a:r>
-                      <a:r>
-                        <a:rPr lang="en-US" sz="1800" b="1" kern="100" dirty="0" err="1">
-                          <a:solidFill>
-                            <a:schemeClr val="tx1"/>
-                          </a:solidFill>
-                          <a:effectLst/>
-                          <a:latin typeface="Arial" pitchFamily="34" charset="0"/>
-                          <a:ea typeface="Arial Unicode MS" pitchFamily="34" charset="-122"/>
-                          <a:cs typeface="Arial" pitchFamily="34" charset="0"/>
-                        </a:rPr>
-                        <a:t>MenuChoice</a:t>
-                      </a:r>
-                      <a:r>
-                        <a:rPr lang="en-US" sz="1800" b="1" kern="100" dirty="0">
-                          <a:solidFill>
-                            <a:schemeClr val="tx1"/>
-                          </a:solidFill>
-                          <a:effectLst/>
-                          <a:latin typeface="Arial" pitchFamily="34" charset="0"/>
-                          <a:ea typeface="Arial Unicode MS" pitchFamily="34" charset="-122"/>
-                          <a:cs typeface="Arial" pitchFamily="34" charset="0"/>
-                        </a:rPr>
-                        <a:t>(v)</a:t>
-                      </a:r>
-                      <a:r>
-                        <a:rPr lang="zh-CN" sz="1800" b="1" kern="100" dirty="0">
-                          <a:solidFill>
-                            <a:schemeClr val="tx1"/>
-                          </a:solidFill>
-                          <a:effectLst/>
-                          <a:latin typeface="Arial" pitchFamily="34" charset="0"/>
-                          <a:ea typeface="Arial Unicode MS" pitchFamily="34" charset="-122"/>
-                          <a:cs typeface="Arial" pitchFamily="34" charset="0"/>
-                        </a:rPr>
-                        <a:t>∪</a:t>
-                      </a:r>
-                      <a:r>
-                        <a:rPr lang="en-US" sz="1800" b="1" kern="100" dirty="0">
-                          <a:solidFill>
-                            <a:schemeClr val="tx1"/>
-                          </a:solidFill>
-                          <a:effectLst/>
-                          <a:latin typeface="Arial" pitchFamily="34" charset="0"/>
-                          <a:ea typeface="Arial Unicode MS" pitchFamily="34" charset="-122"/>
-                          <a:cs typeface="Arial" pitchFamily="34" charset="0"/>
-                        </a:rPr>
-                        <a:t>{v}</a:t>
-                      </a:r>
-                      <a:r>
-                        <a:rPr lang="zh-CN" sz="1800" b="1" kern="100" dirty="0">
-                          <a:solidFill>
-                            <a:schemeClr val="tx1"/>
-                          </a:solidFill>
-                          <a:effectLst/>
-                          <a:latin typeface="Arial" pitchFamily="34" charset="0"/>
-                          <a:ea typeface="Arial Unicode MS" pitchFamily="34" charset="-122"/>
-                          <a:cs typeface="Arial" pitchFamily="34" charset="0"/>
-                        </a:rPr>
-                        <a:t>∪</a:t>
-                      </a:r>
-                      <a:r>
-                        <a:rPr lang="en-US" sz="1800" b="1" kern="100" dirty="0">
-                          <a:solidFill>
-                            <a:schemeClr val="tx1"/>
-                          </a:solidFill>
-                          <a:effectLst/>
-                          <a:latin typeface="Arial" pitchFamily="34" charset="0"/>
-                          <a:ea typeface="Arial Unicode MS" pitchFamily="34" charset="-122"/>
-                          <a:cs typeface="Arial" pitchFamily="34" charset="0"/>
-                        </a:rPr>
-                        <a:t>follows(parent(v)))</a:t>
-                      </a:r>
-                      <a:endParaRPr lang="zh-CN" sz="1800" b="1" kern="100" dirty="0">
-                        <a:solidFill>
-                          <a:schemeClr val="tx1"/>
-                        </a:solidFill>
-                        <a:effectLst/>
-                        <a:latin typeface="Arial" pitchFamily="34" charset="0"/>
-                        <a:ea typeface="Arial Unicode MS" pitchFamily="34" charset="-122"/>
-                        <a:cs typeface="Arial" pitchFamily="34" charset="0"/>
-                      </a:endParaRPr>
-                    </a:p>
-                    <a:p>
-                      <a:pPr algn="just" defTabSz="914400" rtl="0" eaLnBrk="1" latinLnBrk="0" hangingPunct="1">
-                        <a:spcAft>
-                          <a:spcPts val="0"/>
-                        </a:spcAft>
-                      </a:pPr>
-                      <a:r>
-                        <a:rPr lang="en-US" sz="1800" b="1" kern="100" dirty="0">
-                          <a:solidFill>
-                            <a:schemeClr val="tx1"/>
-                          </a:solidFill>
-                          <a:effectLst/>
-                          <a:latin typeface="Arial" pitchFamily="34" charset="0"/>
-                          <a:ea typeface="Arial Unicode MS" pitchFamily="34" charset="-122"/>
-                          <a:cs typeface="Arial" pitchFamily="34" charset="0"/>
-                        </a:rPr>
-                        <a:t>IF </a:t>
-                      </a:r>
-                      <a:r>
-                        <a:rPr lang="en-US" sz="1800" b="1" kern="100" dirty="0" err="1">
-                          <a:solidFill>
-                            <a:schemeClr val="tx1"/>
-                          </a:solidFill>
-                          <a:effectLst/>
-                          <a:latin typeface="Arial" pitchFamily="34" charset="0"/>
-                          <a:ea typeface="Arial Unicode MS" pitchFamily="34" charset="-122"/>
-                          <a:cs typeface="Arial" pitchFamily="34" charset="0"/>
-                        </a:rPr>
-                        <a:t>EventType</a:t>
-                      </a:r>
-                      <a:r>
-                        <a:rPr lang="en-US" sz="1800" b="1" kern="100" dirty="0">
-                          <a:solidFill>
-                            <a:schemeClr val="tx1"/>
-                          </a:solidFill>
-                          <a:effectLst/>
-                          <a:latin typeface="Arial" pitchFamily="34" charset="0"/>
-                          <a:ea typeface="Arial Unicode MS" pitchFamily="34" charset="-122"/>
-                          <a:cs typeface="Arial" pitchFamily="34" charset="0"/>
-                        </a:rPr>
-                        <a:t>(v)=system-interaction</a:t>
-                      </a:r>
-                      <a:endParaRPr lang="zh-CN" sz="1800" b="1" kern="100" dirty="0">
-                        <a:solidFill>
-                          <a:schemeClr val="tx1"/>
-                        </a:solidFill>
-                        <a:effectLst/>
-                        <a:latin typeface="Arial" pitchFamily="34" charset="0"/>
-                        <a:ea typeface="Arial Unicode MS" pitchFamily="34" charset="-122"/>
-                        <a:cs typeface="Arial" pitchFamily="34" charset="0"/>
-                      </a:endParaRPr>
-                    </a:p>
-                    <a:p>
-                      <a:pPr algn="just" defTabSz="914400" rtl="0" eaLnBrk="1" latinLnBrk="0" hangingPunct="1">
-                        <a:spcAft>
-                          <a:spcPts val="0"/>
-                        </a:spcAft>
-                      </a:pPr>
-                      <a:r>
-                        <a:rPr lang="en-US" sz="1800" b="1" kern="100" dirty="0">
-                          <a:solidFill>
-                            <a:schemeClr val="tx1"/>
-                          </a:solidFill>
-                          <a:effectLst/>
-                          <a:latin typeface="Arial" pitchFamily="34" charset="0"/>
-                          <a:ea typeface="Arial Unicode MS" pitchFamily="34" charset="-122"/>
-                          <a:cs typeface="Arial" pitchFamily="34" charset="0"/>
-                        </a:rPr>
-                        <a:t>        return(B of current window)</a:t>
-                      </a:r>
-                      <a:endParaRPr lang="zh-CN" sz="1800" b="1" kern="100" dirty="0">
-                        <a:solidFill>
-                          <a:schemeClr val="tx1"/>
-                        </a:solidFill>
-                        <a:effectLst/>
-                        <a:latin typeface="Arial" pitchFamily="34" charset="0"/>
-                        <a:ea typeface="Arial Unicode MS" pitchFamily="34" charset="-122"/>
-                        <a:cs typeface="Arial" pitchFamily="34" charset="0"/>
-                      </a:endParaRPr>
-                    </a:p>
-                    <a:p>
-                      <a:pPr algn="just" defTabSz="914400" rtl="0" eaLnBrk="1" latinLnBrk="0" hangingPunct="1">
-                        <a:spcAft>
-                          <a:spcPts val="0"/>
-                        </a:spcAft>
-                      </a:pPr>
-                      <a:r>
-                        <a:rPr lang="en-US" sz="1800" b="1" kern="100" dirty="0">
-                          <a:solidFill>
-                            <a:schemeClr val="tx1"/>
-                          </a:solidFill>
-                          <a:effectLst/>
-                          <a:latin typeface="Arial" pitchFamily="34" charset="0"/>
-                          <a:ea typeface="Arial Unicode MS" pitchFamily="34" charset="-122"/>
-                          <a:cs typeface="Arial" pitchFamily="34" charset="0"/>
-                        </a:rPr>
-                        <a:t>IF </a:t>
-                      </a:r>
-                      <a:r>
-                        <a:rPr lang="en-US" sz="1800" b="1" kern="100" dirty="0" err="1">
-                          <a:solidFill>
-                            <a:schemeClr val="tx1"/>
-                          </a:solidFill>
-                          <a:effectLst/>
-                          <a:latin typeface="Arial" pitchFamily="34" charset="0"/>
-                          <a:ea typeface="Arial Unicode MS" pitchFamily="34" charset="-122"/>
-                          <a:cs typeface="Arial" pitchFamily="34" charset="0"/>
-                        </a:rPr>
-                        <a:t>EventType</a:t>
-                      </a:r>
-                      <a:r>
-                        <a:rPr lang="en-US" sz="1800" b="1" kern="100" dirty="0">
-                          <a:solidFill>
-                            <a:schemeClr val="tx1"/>
-                          </a:solidFill>
-                          <a:effectLst/>
-                          <a:latin typeface="Arial" pitchFamily="34" charset="0"/>
-                          <a:ea typeface="Arial Unicode MS" pitchFamily="34" charset="-122"/>
-                          <a:cs typeface="Arial" pitchFamily="34" charset="0"/>
-                        </a:rPr>
-                        <a:t>(v)=termination</a:t>
-                      </a:r>
-                      <a:endParaRPr lang="zh-CN" sz="1800" b="1" kern="100" dirty="0">
-                        <a:solidFill>
-                          <a:schemeClr val="tx1"/>
-                        </a:solidFill>
-                        <a:effectLst/>
-                        <a:latin typeface="Arial" pitchFamily="34" charset="0"/>
-                        <a:ea typeface="Arial Unicode MS" pitchFamily="34" charset="-122"/>
-                        <a:cs typeface="Arial" pitchFamily="34" charset="0"/>
-                      </a:endParaRPr>
-                    </a:p>
-                    <a:p>
-                      <a:pPr algn="just" defTabSz="914400" rtl="0" eaLnBrk="1" latinLnBrk="0" hangingPunct="1">
-                        <a:spcAft>
-                          <a:spcPts val="0"/>
-                        </a:spcAft>
-                      </a:pPr>
-                      <a:r>
-                        <a:rPr lang="en-US" sz="1800" b="1" kern="100" dirty="0">
-                          <a:solidFill>
-                            <a:schemeClr val="tx1"/>
-                          </a:solidFill>
-                          <a:effectLst/>
-                          <a:latin typeface="Arial" pitchFamily="34" charset="0"/>
-                          <a:ea typeface="Arial Unicode MS" pitchFamily="34" charset="-122"/>
-                          <a:cs typeface="Arial" pitchFamily="34" charset="0"/>
-                        </a:rPr>
-                        <a:t>        return(B of Invoking modal dialogue)</a:t>
-                      </a:r>
-                      <a:endParaRPr lang="zh-CN" sz="1800" b="1" kern="100" dirty="0">
-                        <a:solidFill>
-                          <a:schemeClr val="tx1"/>
-                        </a:solidFill>
-                        <a:effectLst/>
-                        <a:latin typeface="Arial" pitchFamily="34" charset="0"/>
-                        <a:ea typeface="Arial Unicode MS" pitchFamily="34" charset="-122"/>
-                        <a:cs typeface="Arial" pitchFamily="34" charset="0"/>
-                      </a:endParaRPr>
-                    </a:p>
-                    <a:p>
-                      <a:pPr algn="just" defTabSz="914400" rtl="0" eaLnBrk="1" latinLnBrk="0" hangingPunct="1">
-                        <a:spcAft>
-                          <a:spcPts val="0"/>
-                        </a:spcAft>
-                      </a:pPr>
-                      <a:r>
-                        <a:rPr lang="en-US" sz="1800" b="1" kern="100" dirty="0">
-                          <a:solidFill>
-                            <a:schemeClr val="tx1"/>
-                          </a:solidFill>
-                          <a:effectLst/>
-                          <a:latin typeface="Arial" pitchFamily="34" charset="0"/>
-                          <a:ea typeface="Arial Unicode MS" pitchFamily="34" charset="-122"/>
-                          <a:cs typeface="Arial" pitchFamily="34" charset="0"/>
-                        </a:rPr>
-                        <a:t>IF </a:t>
-                      </a:r>
-                      <a:r>
-                        <a:rPr lang="en-US" sz="1800" b="1" kern="100" dirty="0" err="1">
-                          <a:solidFill>
-                            <a:schemeClr val="tx1"/>
-                          </a:solidFill>
-                          <a:effectLst/>
-                          <a:latin typeface="Arial" pitchFamily="34" charset="0"/>
-                          <a:ea typeface="Arial Unicode MS" pitchFamily="34" charset="-122"/>
-                          <a:cs typeface="Arial" pitchFamily="34" charset="0"/>
-                        </a:rPr>
-                        <a:t>EventType</a:t>
-                      </a:r>
-                      <a:r>
-                        <a:rPr lang="en-US" sz="1800" b="1" kern="100" dirty="0">
-                          <a:solidFill>
-                            <a:schemeClr val="tx1"/>
-                          </a:solidFill>
-                          <a:effectLst/>
-                          <a:latin typeface="Arial" pitchFamily="34" charset="0"/>
-                          <a:ea typeface="Arial Unicode MS" pitchFamily="34" charset="-122"/>
-                          <a:cs typeface="Arial" pitchFamily="34" charset="0"/>
-                        </a:rPr>
-                        <a:t>(v)=unrestricted-focus</a:t>
-                      </a:r>
-                      <a:endParaRPr lang="zh-CN" sz="1800" b="1" kern="100" dirty="0">
-                        <a:solidFill>
-                          <a:schemeClr val="tx1"/>
-                        </a:solidFill>
-                        <a:effectLst/>
-                        <a:latin typeface="Arial" pitchFamily="34" charset="0"/>
-                        <a:ea typeface="Arial Unicode MS" pitchFamily="34" charset="-122"/>
-                        <a:cs typeface="Arial" pitchFamily="34" charset="0"/>
-                      </a:endParaRPr>
-                    </a:p>
-                    <a:p>
-                      <a:pPr algn="just" defTabSz="914400" rtl="0" eaLnBrk="1" latinLnBrk="0" hangingPunct="1">
-                        <a:spcAft>
-                          <a:spcPts val="0"/>
-                        </a:spcAft>
-                      </a:pPr>
-                      <a:r>
-                        <a:rPr lang="en-US" sz="1800" b="1" kern="100" dirty="0">
-                          <a:solidFill>
-                            <a:schemeClr val="tx1"/>
-                          </a:solidFill>
-                          <a:effectLst/>
-                          <a:latin typeface="Arial" pitchFamily="34" charset="0"/>
-                          <a:ea typeface="Arial Unicode MS" pitchFamily="34" charset="-122"/>
-                          <a:cs typeface="Arial" pitchFamily="34" charset="0"/>
-                        </a:rPr>
-                        <a:t>        return(B</a:t>
-                      </a:r>
-                      <a:r>
-                        <a:rPr lang="zh-CN" sz="1800" b="1" kern="100" dirty="0">
-                          <a:solidFill>
-                            <a:schemeClr val="tx1"/>
-                          </a:solidFill>
-                          <a:effectLst/>
-                          <a:latin typeface="Arial" pitchFamily="34" charset="0"/>
-                          <a:ea typeface="Arial Unicode MS" pitchFamily="34" charset="-122"/>
-                          <a:cs typeface="Arial" pitchFamily="34" charset="0"/>
-                        </a:rPr>
-                        <a:t>∪</a:t>
-                      </a:r>
-                      <a:r>
-                        <a:rPr lang="en-US" sz="1800" b="1" kern="100" dirty="0">
-                          <a:solidFill>
-                            <a:schemeClr val="tx1"/>
-                          </a:solidFill>
-                          <a:effectLst/>
-                          <a:latin typeface="Arial" pitchFamily="34" charset="0"/>
-                          <a:ea typeface="Arial Unicode MS" pitchFamily="34" charset="-122"/>
-                          <a:cs typeface="Arial" pitchFamily="34" charset="0"/>
-                        </a:rPr>
-                        <a:t>B of Invoked modal dialogue)</a:t>
-                      </a:r>
-                      <a:endParaRPr lang="zh-CN" sz="1800" b="1" kern="100" dirty="0">
-                        <a:solidFill>
-                          <a:schemeClr val="tx1"/>
-                        </a:solidFill>
-                        <a:effectLst/>
-                        <a:latin typeface="Arial" pitchFamily="34" charset="0"/>
-                        <a:ea typeface="Arial Unicode MS" pitchFamily="34" charset="-122"/>
-                        <a:cs typeface="Arial" pitchFamily="34" charset="0"/>
-                      </a:endParaRPr>
-                    </a:p>
-                    <a:p>
-                      <a:pPr algn="just" defTabSz="914400" rtl="0" eaLnBrk="1" latinLnBrk="0" hangingPunct="1">
-                        <a:spcAft>
-                          <a:spcPts val="0"/>
-                        </a:spcAft>
-                      </a:pPr>
-                      <a:r>
-                        <a:rPr lang="en-US" sz="1800" b="1" kern="100" dirty="0">
-                          <a:solidFill>
-                            <a:schemeClr val="tx1"/>
-                          </a:solidFill>
-                          <a:effectLst/>
-                          <a:latin typeface="Arial" pitchFamily="34" charset="0"/>
-                          <a:ea typeface="Arial Unicode MS" pitchFamily="34" charset="-122"/>
-                          <a:cs typeface="Arial" pitchFamily="34" charset="0"/>
-                        </a:rPr>
-                        <a:t>IF </a:t>
-                      </a:r>
-                      <a:r>
-                        <a:rPr lang="en-US" sz="1800" b="1" kern="100" dirty="0" err="1">
-                          <a:solidFill>
-                            <a:schemeClr val="tx1"/>
-                          </a:solidFill>
-                          <a:effectLst/>
-                          <a:latin typeface="Arial" pitchFamily="34" charset="0"/>
-                          <a:ea typeface="Arial Unicode MS" pitchFamily="34" charset="-122"/>
-                          <a:cs typeface="Arial" pitchFamily="34" charset="0"/>
-                        </a:rPr>
-                        <a:t>EventType</a:t>
-                      </a:r>
-                      <a:r>
-                        <a:rPr lang="en-US" sz="1800" b="1" kern="100" dirty="0">
-                          <a:solidFill>
-                            <a:schemeClr val="tx1"/>
-                          </a:solidFill>
-                          <a:effectLst/>
-                          <a:latin typeface="Arial" pitchFamily="34" charset="0"/>
-                          <a:ea typeface="Arial Unicode MS" pitchFamily="34" charset="-122"/>
-                          <a:cs typeface="Arial" pitchFamily="34" charset="0"/>
-                        </a:rPr>
-                        <a:t>(v)=restricted-focus</a:t>
-                      </a:r>
-                      <a:endParaRPr lang="zh-CN" sz="1800" b="1" kern="100" dirty="0">
-                        <a:solidFill>
-                          <a:schemeClr val="tx1"/>
-                        </a:solidFill>
-                        <a:effectLst/>
-                        <a:latin typeface="Arial" pitchFamily="34" charset="0"/>
-                        <a:ea typeface="Arial Unicode MS" pitchFamily="34" charset="-122"/>
-                        <a:cs typeface="Arial" pitchFamily="34" charset="0"/>
-                      </a:endParaRPr>
-                    </a:p>
-                    <a:p>
-                      <a:pPr algn="just" defTabSz="914400" rtl="0" eaLnBrk="1" latinLnBrk="0" hangingPunct="1">
-                        <a:spcAft>
-                          <a:spcPts val="0"/>
-                        </a:spcAft>
-                      </a:pPr>
-                      <a:r>
-                        <a:rPr lang="en-US" sz="1800" b="1" kern="100" dirty="0">
-                          <a:solidFill>
-                            <a:schemeClr val="tx1"/>
-                          </a:solidFill>
-                          <a:effectLst/>
-                          <a:latin typeface="Arial" pitchFamily="34" charset="0"/>
-                          <a:ea typeface="Arial Unicode MS" pitchFamily="34" charset="-122"/>
-                          <a:cs typeface="Arial" pitchFamily="34" charset="0"/>
-                        </a:rPr>
-                        <a:t>        return(B of Invoked modal dialogue)</a:t>
-                      </a:r>
-                      <a:endParaRPr lang="zh-CN" sz="1800" b="1" kern="100" dirty="0">
-                        <a:solidFill>
-                          <a:schemeClr val="tx1"/>
-                        </a:solidFill>
-                        <a:effectLst/>
-                        <a:latin typeface="Arial" pitchFamily="34" charset="0"/>
-                        <a:ea typeface="Arial Unicode MS" pitchFamily="34" charset="-122"/>
-                        <a:cs typeface="Arial" pitchFamily="34" charset="0"/>
-                      </a:endParaRPr>
-                    </a:p>
-                    <a:p>
-                      <a:pPr algn="just">
-                        <a:spcAft>
-                          <a:spcPts val="0"/>
-                        </a:spcAft>
-                      </a:pPr>
-                      <a:r>
-                        <a:rPr lang="en-US" sz="1050" kern="100" dirty="0">
-                          <a:effectLst/>
-                        </a:rPr>
-                        <a:t> </a:t>
-                      </a:r>
-                      <a:endParaRPr lang="zh-CN" sz="1050" kern="100" dirty="0">
-                        <a:effectLst/>
-                        <a:latin typeface="Times New Roman"/>
-                        <a:ea typeface="宋体"/>
-                      </a:endParaRPr>
-                    </a:p>
-                  </a:txBody>
-                  <a:tcPr marL="68580" marR="68580" marT="0" marB="0">
-                    <a:solidFill>
-                      <a:schemeClr val="bg1"/>
-                    </a:solidFill>
-                  </a:tcPr>
-                </a:tc>
-              </a:tr>
-            </a:tbl>
-          </a:graphicData>
-        </a:graphic>
-      </p:graphicFrame>
-    </p:spTree>
-    <p:extLst>
-      <p:ext uri="{BB962C8B-B14F-4D97-AF65-F5344CB8AC3E}">
-        <p14:creationId xmlns:p14="http://schemas.microsoft.com/office/powerpoint/2010/main" val="1265792355"/>
-      </p:ext>
-    </p:extLst>
-  </p:cSld>
-  <p:clrMapOvr>
-    <a:masterClrMapping/>
-  </p:clrMapOvr>
-  <p:timing>
-    <p:tnLst>
-      <p:par>
-        <p:cTn id="1" dur="indefinite" restart="never" nodeType="tmRoot"/>
-      </p:par>
-    </p:tnLst>
-  </p:timing>
-</p:sld>
-</file>
-
 <file path=ppt/theme/theme1.xml><?xml version="1.0" encoding="utf-8"?>
 <a:theme xmlns:a="http://schemas.openxmlformats.org/drawingml/2006/main" name="南京大学软件学院模版">
   <a:themeElements>
@@ -7397,7 +7604,7 @@
         <a:sysClr val="windowText" lastClr="000000"/>
       </a:dk1>
       <a:lt1>
-        <a:sysClr val="window" lastClr="FFFFFF"/>
+        <a:sysClr val="window" lastClr="CCE8CF"/>
       </a:lt1>
       <a:dk2>
         <a:srgbClr val="1F497D"/>
@@ -7680,7 +7887,7 @@
         <a:sysClr val="windowText" lastClr="000000"/>
       </a:dk1>
       <a:lt1>
-        <a:sysClr val="window" lastClr="FFFFFF"/>
+        <a:sysClr val="window" lastClr="CCE8CF"/>
       </a:lt1>
       <a:dk2>
         <a:srgbClr val="1F497D"/>
